--- a/checkpoint3/52.pptx
+++ b/checkpoint3/52.pptx
@@ -18,10 +18,10 @@
     <p:sldId id="1114" r:id="rId6"/>
     <p:sldId id="257" r:id="rId7"/>
     <p:sldId id="1096" r:id="rId8"/>
-    <p:sldId id="1109" r:id="rId9"/>
-    <p:sldId id="1097" r:id="rId10"/>
-    <p:sldId id="1098" r:id="rId11"/>
-    <p:sldId id="1115" r:id="rId12"/>
+    <p:sldId id="1097" r:id="rId9"/>
+    <p:sldId id="1098" r:id="rId10"/>
+    <p:sldId id="1115" r:id="rId11"/>
+    <p:sldId id="1116" r:id="rId12"/>
   </p:sldIdLst>
   <p:sldSz cx="9144000" cy="6858000" type="screen4x3"/>
   <p:notesSz cx="6858000" cy="9144000"/>
@@ -893,7 +893,7 @@
             <a:fld id="{F535F173-C1DD-4975-94BF-5B9ED67F7674}" type="slidenum">
               <a:rPr lang="en-US" smtClean="0"/>
               <a:pPr/>
-              <a:t>8</a:t>
+              <a:t>9</a:t>
             </a:fld>
             <a:endParaRPr lang="en-US"/>
           </a:p>
@@ -979,91 +979,6 @@
               <a:rPr lang="en-US" smtClean="0"/>
               <a:pPr/>
               <a:t>10</a:t>
-            </a:fld>
-            <a:endParaRPr lang="en-US"/>
-          </a:p>
-        </p:txBody>
-      </p:sp>
-    </p:spTree>
-    <p:extLst>
-      <p:ext uri="{BB962C8B-B14F-4D97-AF65-F5344CB8AC3E}">
-        <p14:creationId xmlns:p14="http://schemas.microsoft.com/office/powerpoint/2010/main" val="1355792998"/>
-      </p:ext>
-    </p:extLst>
-  </p:cSld>
-  <p:clrMapOvr>
-    <a:masterClrMapping/>
-  </p:clrMapOvr>
-</p:notes>
-</file>
-
-<file path=ppt/notesSlides/notesSlide5.xml><?xml version="1.0" encoding="utf-8"?>
-<p:notes xmlns:a="http://schemas.openxmlformats.org/drawingml/2006/main" xmlns:r="http://schemas.openxmlformats.org/officeDocument/2006/relationships" xmlns:p="http://schemas.openxmlformats.org/presentationml/2006/main">
-  <p:cSld>
-    <p:spTree>
-      <p:nvGrpSpPr>
-        <p:cNvPr id="1" name=""/>
-        <p:cNvGrpSpPr/>
-        <p:nvPr/>
-      </p:nvGrpSpPr>
-      <p:grpSpPr>
-        <a:xfrm>
-          <a:off x="0" y="0"/>
-          <a:ext cx="0" cy="0"/>
-          <a:chOff x="0" y="0"/>
-          <a:chExt cx="0" cy="0"/>
-        </a:xfrm>
-      </p:grpSpPr>
-      <p:sp>
-        <p:nvSpPr>
-          <p:cNvPr id="2" name="Slide Image Placeholder 1"/>
-          <p:cNvSpPr>
-            <a:spLocks noGrp="1" noRot="1" noChangeAspect="1"/>
-          </p:cNvSpPr>
-          <p:nvPr>
-            <p:ph type="sldImg"/>
-          </p:nvPr>
-        </p:nvSpPr>
-        <p:spPr/>
-      </p:sp>
-      <p:sp>
-        <p:nvSpPr>
-          <p:cNvPr id="3" name="Notes Placeholder 2"/>
-          <p:cNvSpPr>
-            <a:spLocks noGrp="1"/>
-          </p:cNvSpPr>
-          <p:nvPr>
-            <p:ph type="body" idx="1"/>
-          </p:nvPr>
-        </p:nvSpPr>
-        <p:spPr/>
-        <p:txBody>
-          <a:bodyPr/>
-          <a:lstStyle/>
-          <a:p>
-            <a:endParaRPr lang="en-US" baseline="0" dirty="0"/>
-          </a:p>
-        </p:txBody>
-      </p:sp>
-      <p:sp>
-        <p:nvSpPr>
-          <p:cNvPr id="4" name="Slide Number Placeholder 3"/>
-          <p:cNvSpPr>
-            <a:spLocks noGrp="1"/>
-          </p:cNvSpPr>
-          <p:nvPr>
-            <p:ph type="sldNum" sz="quarter" idx="10"/>
-          </p:nvPr>
-        </p:nvSpPr>
-        <p:spPr/>
-        <p:txBody>
-          <a:bodyPr/>
-          <a:lstStyle/>
-          <a:p>
-            <a:fld id="{F535F173-C1DD-4975-94BF-5B9ED67F7674}" type="slidenum">
-              <a:rPr lang="en-US" smtClean="0"/>
-              <a:pPr/>
-              <a:t>11</a:t>
             </a:fld>
             <a:endParaRPr lang="en-US"/>
           </a:p>
@@ -3596,136 +3511,6 @@
           <a:p>
             <a:r>
               <a:rPr lang="en-GB" sz="2800" b="1" dirty="0"/>
-              <a:t>How does the features (energy, loudness, tempo, etc) of the track affect its popularity?</a:t>
-            </a:r>
-            <a:endParaRPr lang="pt-PT" sz="2800" dirty="0"/>
-          </a:p>
-        </p:txBody>
-      </p:sp>
-      <p:sp>
-        <p:nvSpPr>
-          <p:cNvPr id="3" name="Content Placeholder 2"/>
-          <p:cNvSpPr>
-            <a:spLocks noGrp="1"/>
-          </p:cNvSpPr>
-          <p:nvPr>
-            <p:ph idx="1"/>
-          </p:nvPr>
-        </p:nvSpPr>
-        <p:spPr>
-          <a:xfrm>
-            <a:off x="457200" y="5157192"/>
-            <a:ext cx="8435280" cy="1700808"/>
-          </a:xfrm>
-        </p:spPr>
-        <p:txBody>
-          <a:bodyPr>
-            <a:noAutofit/>
-          </a:bodyPr>
-          <a:lstStyle/>
-          <a:p>
-            <a:pPr algn="just"/>
-            <a:r>
-              <a:rPr lang="en-US" sz="2200" dirty="0"/>
-              <a:t>	</a:t>
-            </a:r>
-            <a:r>
-              <a:rPr lang="en-US" sz="2000" b="0" dirty="0"/>
-              <a:t>After selecting in the list on the left the desired tracks to analyze. They will appear on the Star Chart (Idiom 1) and be highlighted on the Scatter Plot (Idiom 2), that way we can analyze with the average of all the tracks in the desired period. And we can also analyze specific traits of the tracks on the scatter plot, which will appear what we select with the rest of the tracks</a:t>
-            </a:r>
-          </a:p>
-        </p:txBody>
-      </p:sp>
-      <p:pic>
-        <p:nvPicPr>
-          <p:cNvPr id="4" name="Graphic 2">
-            <a:extLst>
-              <a:ext uri="{FF2B5EF4-FFF2-40B4-BE49-F238E27FC236}">
-                <a16:creationId xmlns:a16="http://schemas.microsoft.com/office/drawing/2014/main" id="{C4BA5F8D-AAF0-45D5-BFDD-6E1579C93EA1}"/>
-              </a:ext>
-            </a:extLst>
-          </p:cNvPr>
-          <p:cNvPicPr/>
-          <p:nvPr/>
-        </p:nvPicPr>
-        <p:blipFill rotWithShape="1">
-          <a:blip r:embed="rId3">
-            <a:extLst>
-              <a:ext uri="{96DAC541-7B7A-43D3-8B79-37D633B846F1}">
-                <asvg:svgBlip xmlns:asvg="http://schemas.microsoft.com/office/drawing/2016/SVG/main" r:embed="rId4"/>
-              </a:ext>
-            </a:extLst>
-          </a:blip>
-          <a:srcRect b="44115"/>
-          <a:stretch/>
-        </p:blipFill>
-        <p:spPr bwMode="auto">
-          <a:xfrm>
-            <a:off x="1231532" y="811704"/>
-            <a:ext cx="6886615" cy="4443976"/>
-          </a:xfrm>
-          <a:prstGeom prst="rect">
-            <a:avLst/>
-          </a:prstGeom>
-          <a:ln>
-            <a:noFill/>
-          </a:ln>
-          <a:extLst>
-            <a:ext uri="{53640926-AAD7-44D8-BBD7-CCE9431645EC}">
-              <a14:shadowObscured xmlns:a14="http://schemas.microsoft.com/office/drawing/2010/main"/>
-            </a:ext>
-          </a:extLst>
-        </p:spPr>
-      </p:pic>
-    </p:spTree>
-    <p:extLst>
-      <p:ext uri="{BB962C8B-B14F-4D97-AF65-F5344CB8AC3E}">
-        <p14:creationId xmlns:p14="http://schemas.microsoft.com/office/powerpoint/2010/main" val="2962997025"/>
-      </p:ext>
-    </p:extLst>
-  </p:cSld>
-  <p:clrMapOvr>
-    <a:masterClrMapping/>
-  </p:clrMapOvr>
-</p:sld>
-</file>
-
-<file path=ppt/slides/slide11.xml><?xml version="1.0" encoding="utf-8"?>
-<p:sld xmlns:a="http://schemas.openxmlformats.org/drawingml/2006/main" xmlns:r="http://schemas.openxmlformats.org/officeDocument/2006/relationships" xmlns:p="http://schemas.openxmlformats.org/presentationml/2006/main">
-  <p:cSld>
-    <p:spTree>
-      <p:nvGrpSpPr>
-        <p:cNvPr id="1" name=""/>
-        <p:cNvGrpSpPr/>
-        <p:nvPr/>
-      </p:nvGrpSpPr>
-      <p:grpSpPr>
-        <a:xfrm>
-          <a:off x="0" y="0"/>
-          <a:ext cx="0" cy="0"/>
-          <a:chOff x="0" y="0"/>
-          <a:chExt cx="0" cy="0"/>
-        </a:xfrm>
-      </p:grpSpPr>
-      <p:sp>
-        <p:nvSpPr>
-          <p:cNvPr id="2" name="Title 1"/>
-          <p:cNvSpPr>
-            <a:spLocks noGrp="1"/>
-          </p:cNvSpPr>
-          <p:nvPr>
-            <p:ph type="title"/>
-          </p:nvPr>
-        </p:nvSpPr>
-        <p:spPr/>
-        <p:txBody>
-          <a:bodyPr>
-            <a:noAutofit/>
-          </a:bodyPr>
-          <a:lstStyle/>
-          <a:p>
-            <a:r>
-              <a:rPr lang="en-GB" sz="2800" b="1" dirty="0"/>
               <a:t>Which artists have had a good 2019? Which tracks were most played during a period?</a:t>
             </a:r>
             <a:endParaRPr lang="pt-PT" sz="2800" dirty="0"/>
@@ -3816,6 +3601,78 @@
     <p:extLst>
       <p:ext uri="{BB962C8B-B14F-4D97-AF65-F5344CB8AC3E}">
         <p14:creationId xmlns:p14="http://schemas.microsoft.com/office/powerpoint/2010/main" val="2291642787"/>
+      </p:ext>
+    </p:extLst>
+  </p:cSld>
+  <p:clrMapOvr>
+    <a:masterClrMapping/>
+  </p:clrMapOvr>
+</p:sld>
+</file>
+
+<file path=ppt/slides/slide11.xml><?xml version="1.0" encoding="utf-8"?>
+<p:sld xmlns:a="http://schemas.openxmlformats.org/drawingml/2006/main" xmlns:r="http://schemas.openxmlformats.org/officeDocument/2006/relationships" xmlns:p="http://schemas.openxmlformats.org/presentationml/2006/main">
+  <p:cSld>
+    <p:spTree>
+      <p:nvGrpSpPr>
+        <p:cNvPr id="1" name=""/>
+        <p:cNvGrpSpPr/>
+        <p:nvPr/>
+      </p:nvGrpSpPr>
+      <p:grpSpPr>
+        <a:xfrm>
+          <a:off x="0" y="0"/>
+          <a:ext cx="0" cy="0"/>
+          <a:chOff x="0" y="0"/>
+          <a:chExt cx="0" cy="0"/>
+        </a:xfrm>
+      </p:grpSpPr>
+      <p:sp>
+        <p:nvSpPr>
+          <p:cNvPr id="2" name="Título 1">
+            <a:extLst>
+              <a:ext uri="{FF2B5EF4-FFF2-40B4-BE49-F238E27FC236}">
+                <a16:creationId xmlns:a16="http://schemas.microsoft.com/office/drawing/2014/main" id="{047F5067-D3AD-4DC4-A28F-360C25D96565}"/>
+              </a:ext>
+            </a:extLst>
+          </p:cNvPr>
+          <p:cNvSpPr>
+            <a:spLocks noGrp="1"/>
+          </p:cNvSpPr>
+          <p:nvPr>
+            <p:ph type="title"/>
+          </p:nvPr>
+        </p:nvSpPr>
+        <p:spPr>
+          <a:xfrm>
+            <a:off x="-32" y="0"/>
+            <a:ext cx="9144032" cy="857232"/>
+          </a:xfrm>
+        </p:spPr>
+        <p:txBody>
+          <a:bodyPr>
+            <a:noAutofit/>
+          </a:bodyPr>
+          <a:lstStyle/>
+          <a:p>
+            <a:br>
+              <a:rPr lang="en-GB" sz="2400" b="1" dirty="0"/>
+            </a:br>
+            <a:r>
+              <a:rPr lang="en-GB" sz="2400" b="1" dirty="0"/>
+              <a:t>Is there any correlation between the happiness / danceability of the most listened tracks with the time of year? </a:t>
+            </a:r>
+            <a:br>
+              <a:rPr lang="pt-PT" sz="2400" dirty="0"/>
+            </a:br>
+            <a:endParaRPr lang="pt-PT" sz="2400" dirty="0"/>
+          </a:p>
+        </p:txBody>
+      </p:sp>
+    </p:spTree>
+    <p:extLst>
+      <p:ext uri="{BB962C8B-B14F-4D97-AF65-F5344CB8AC3E}">
+        <p14:creationId xmlns:p14="http://schemas.microsoft.com/office/powerpoint/2010/main" val="1323863237"/>
       </p:ext>
     </p:extLst>
   </p:cSld>
@@ -4476,41 +4333,570 @@
           </a:p>
         </p:txBody>
       </p:sp>
-      <p:sp>
-        <p:nvSpPr>
-          <p:cNvPr id="3" name="Content Placeholder 2"/>
-          <p:cNvSpPr>
-            <a:spLocks noGrp="1"/>
-          </p:cNvSpPr>
-          <p:nvPr>
-            <p:ph idx="1"/>
-          </p:nvPr>
-        </p:nvSpPr>
-        <p:spPr/>
-        <p:txBody>
-          <a:bodyPr>
-            <a:noAutofit/>
-          </a:bodyPr>
-          <a:lstStyle/>
-          <a:p>
-            <a:pPr marL="571500" indent="-571500">
-              <a:buFont typeface="Arial" panose="020B0604020202020204" pitchFamily="34" charset="0"/>
-              <a:buChar char="•"/>
-            </a:pPr>
-            <a:r>
-              <a:rPr lang="en-US" sz="4000" b="0" dirty="0"/>
-              <a:t>Spider chart:</a:t>
-            </a:r>
-          </a:p>
-          <a:p>
-            <a:pPr marL="571500" indent="-571500">
-              <a:buFont typeface="Arial" panose="020B0604020202020204" pitchFamily="34" charset="0"/>
-              <a:buChar char="•"/>
-            </a:pPr>
-            <a:endParaRPr lang="en-US" sz="4000" b="0" dirty="0"/>
-          </a:p>
-        </p:txBody>
-      </p:sp>
+      <p:graphicFrame>
+        <p:nvGraphicFramePr>
+          <p:cNvPr id="5" name="Tabela 4">
+            <a:extLst>
+              <a:ext uri="{FF2B5EF4-FFF2-40B4-BE49-F238E27FC236}">
+                <a16:creationId xmlns:a16="http://schemas.microsoft.com/office/drawing/2014/main" id="{67D8C9A9-478E-4674-87DF-DC9F1C0C987C}"/>
+              </a:ext>
+            </a:extLst>
+          </p:cNvPr>
+          <p:cNvGraphicFramePr>
+            <a:graphicFrameLocks noGrp="1"/>
+          </p:cNvGraphicFramePr>
+          <p:nvPr>
+            <p:extLst>
+              <p:ext uri="{D42A27DB-BD31-4B8C-83A1-F6EECF244321}">
+                <p14:modId xmlns:p14="http://schemas.microsoft.com/office/powerpoint/2010/main" val="2449284684"/>
+              </p:ext>
+            </p:extLst>
+          </p:nvPr>
+        </p:nvGraphicFramePr>
+        <p:xfrm>
+          <a:off x="410552" y="983145"/>
+          <a:ext cx="8322864" cy="5724385"/>
+        </p:xfrm>
+        <a:graphic>
+          <a:graphicData uri="http://schemas.openxmlformats.org/drawingml/2006/table">
+            <a:tbl>
+              <a:tblPr firstRow="1" bandRow="1">
+                <a:tableStyleId>{9D7B26C5-4107-4FEC-AEDC-1716B250A1EF}</a:tableStyleId>
+              </a:tblPr>
+              <a:tblGrid>
+                <a:gridCol w="2774288">
+                  <a:extLst>
+                    <a:ext uri="{9D8B030D-6E8A-4147-A177-3AD203B41FA5}">
+                      <a16:colId xmlns:a16="http://schemas.microsoft.com/office/drawing/2014/main" val="3389396376"/>
+                    </a:ext>
+                  </a:extLst>
+                </a:gridCol>
+                <a:gridCol w="2774288">
+                  <a:extLst>
+                    <a:ext uri="{9D8B030D-6E8A-4147-A177-3AD203B41FA5}">
+                      <a16:colId xmlns:a16="http://schemas.microsoft.com/office/drawing/2014/main" val="2441177269"/>
+                    </a:ext>
+                  </a:extLst>
+                </a:gridCol>
+                <a:gridCol w="2774288">
+                  <a:extLst>
+                    <a:ext uri="{9D8B030D-6E8A-4147-A177-3AD203B41FA5}">
+                      <a16:colId xmlns:a16="http://schemas.microsoft.com/office/drawing/2014/main" val="4979353"/>
+                    </a:ext>
+                  </a:extLst>
+                </a:gridCol>
+              </a:tblGrid>
+              <a:tr h="654355">
+                <a:tc>
+                  <a:txBody>
+                    <a:bodyPr/>
+                    <a:lstStyle/>
+                    <a:p>
+                      <a:pPr algn="l"/>
+                      <a:r>
+                        <a:rPr lang="pt-PT" dirty="0" err="1"/>
+                        <a:t>Idiom</a:t>
+                      </a:r>
+                      <a:endParaRPr lang="pt-PT" dirty="0"/>
+                    </a:p>
+                  </a:txBody>
+                  <a:tcPr/>
+                </a:tc>
+                <a:tc>
+                  <a:txBody>
+                    <a:bodyPr/>
+                    <a:lstStyle/>
+                    <a:p>
+                      <a:pPr algn="l"/>
+                      <a:r>
+                        <a:rPr lang="pt-PT" dirty="0" err="1"/>
+                        <a:t>Marks</a:t>
+                      </a:r>
+                      <a:endParaRPr lang="pt-PT" dirty="0"/>
+                    </a:p>
+                  </a:txBody>
+                  <a:tcPr/>
+                </a:tc>
+                <a:tc>
+                  <a:txBody>
+                    <a:bodyPr/>
+                    <a:lstStyle/>
+                    <a:p>
+                      <a:pPr algn="l"/>
+                      <a:r>
+                        <a:rPr lang="pt-PT" dirty="0" err="1"/>
+                        <a:t>Channels</a:t>
+                      </a:r>
+                      <a:endParaRPr lang="pt-PT" dirty="0"/>
+                    </a:p>
+                  </a:txBody>
+                  <a:tcPr/>
+                </a:tc>
+                <a:extLst>
+                  <a:ext uri="{0D108BD9-81ED-4DB2-BD59-A6C34878D82A}">
+                    <a16:rowId xmlns:a16="http://schemas.microsoft.com/office/drawing/2014/main" val="716316037"/>
+                  </a:ext>
+                </a:extLst>
+              </a:tr>
+              <a:tr h="1129434">
+                <a:tc>
+                  <a:txBody>
+                    <a:bodyPr/>
+                    <a:lstStyle/>
+                    <a:p>
+                      <a:pPr algn="l"/>
+                      <a:r>
+                        <a:rPr lang="pt-PT" dirty="0" err="1"/>
+                        <a:t>Spider</a:t>
+                      </a:r>
+                      <a:r>
+                        <a:rPr lang="pt-PT" dirty="0"/>
+                        <a:t> </a:t>
+                      </a:r>
+                      <a:r>
+                        <a:rPr lang="pt-PT" dirty="0" err="1"/>
+                        <a:t>chart</a:t>
+                      </a:r>
+                      <a:endParaRPr lang="pt-PT" dirty="0"/>
+                    </a:p>
+                  </a:txBody>
+                  <a:tcPr/>
+                </a:tc>
+                <a:tc>
+                  <a:txBody>
+                    <a:bodyPr/>
+                    <a:lstStyle/>
+                    <a:p>
+                      <a:pPr algn="l"/>
+                      <a:r>
+                        <a:rPr lang="pt-PT" dirty="0" err="1"/>
+                        <a:t>Point</a:t>
+                      </a:r>
+                      <a:r>
+                        <a:rPr lang="pt-PT" dirty="0"/>
+                        <a:t> – </a:t>
+                      </a:r>
+                      <a:r>
+                        <a:rPr lang="pt-PT" dirty="0" err="1"/>
+                        <a:t>track</a:t>
+                      </a:r>
+                      <a:r>
+                        <a:rPr lang="pt-PT" dirty="0"/>
+                        <a:t> </a:t>
+                      </a:r>
+                      <a:r>
+                        <a:rPr lang="pt-PT" dirty="0" err="1"/>
+                        <a:t>feature</a:t>
+                      </a:r>
+                      <a:endParaRPr lang="pt-PT" dirty="0"/>
+                    </a:p>
+                  </a:txBody>
+                  <a:tcPr/>
+                </a:tc>
+                <a:tc>
+                  <a:txBody>
+                    <a:bodyPr/>
+                    <a:lstStyle/>
+                    <a:p>
+                      <a:pPr algn="l"/>
+                      <a:r>
+                        <a:rPr lang="pt-PT" dirty="0"/>
+                        <a:t>Color – a </a:t>
+                      </a:r>
+                      <a:r>
+                        <a:rPr lang="pt-PT" dirty="0" err="1"/>
+                        <a:t>selected</a:t>
+                      </a:r>
+                      <a:r>
+                        <a:rPr lang="pt-PT" dirty="0"/>
+                        <a:t> </a:t>
+                      </a:r>
+                      <a:r>
+                        <a:rPr lang="pt-PT" dirty="0" err="1"/>
+                        <a:t>track</a:t>
+                      </a:r>
+                      <a:endParaRPr lang="pt-PT" dirty="0"/>
+                    </a:p>
+                    <a:p>
+                      <a:pPr algn="l"/>
+                      <a:r>
+                        <a:rPr lang="pt-PT" dirty="0" err="1"/>
+                        <a:t>Position</a:t>
+                      </a:r>
+                      <a:r>
+                        <a:rPr lang="pt-PT" dirty="0"/>
+                        <a:t> – </a:t>
+                      </a:r>
+                      <a:r>
+                        <a:rPr lang="pt-PT" dirty="0" err="1"/>
+                        <a:t>feature</a:t>
+                      </a:r>
+                      <a:r>
+                        <a:rPr lang="pt-PT" dirty="0"/>
+                        <a:t> </a:t>
+                      </a:r>
+                      <a:r>
+                        <a:rPr lang="pt-PT" dirty="0" err="1"/>
+                        <a:t>value</a:t>
+                      </a:r>
+                      <a:endParaRPr lang="pt-PT" dirty="0"/>
+                    </a:p>
+                  </a:txBody>
+                  <a:tcPr/>
+                </a:tc>
+                <a:extLst>
+                  <a:ext uri="{0D108BD9-81ED-4DB2-BD59-A6C34878D82A}">
+                    <a16:rowId xmlns:a16="http://schemas.microsoft.com/office/drawing/2014/main" val="3836248553"/>
+                  </a:ext>
+                </a:extLst>
+              </a:tr>
+              <a:tr h="2097521">
+                <a:tc>
+                  <a:txBody>
+                    <a:bodyPr/>
+                    <a:lstStyle/>
+                    <a:p>
+                      <a:pPr algn="l"/>
+                      <a:r>
+                        <a:rPr lang="pt-PT" dirty="0" err="1"/>
+                        <a:t>Scatter</a:t>
+                      </a:r>
+                      <a:r>
+                        <a:rPr lang="pt-PT" dirty="0"/>
+                        <a:t> </a:t>
+                      </a:r>
+                      <a:r>
+                        <a:rPr lang="pt-PT" dirty="0" err="1"/>
+                        <a:t>plot</a:t>
+                      </a:r>
+                      <a:endParaRPr lang="pt-PT" dirty="0"/>
+                    </a:p>
+                  </a:txBody>
+                  <a:tcPr/>
+                </a:tc>
+                <a:tc>
+                  <a:txBody>
+                    <a:bodyPr/>
+                    <a:lstStyle/>
+                    <a:p>
+                      <a:pPr algn="l"/>
+                      <a:r>
+                        <a:rPr lang="pt-PT" dirty="0" err="1"/>
+                        <a:t>Point</a:t>
+                      </a:r>
+                      <a:r>
+                        <a:rPr lang="pt-PT" dirty="0"/>
+                        <a:t> - </a:t>
+                      </a:r>
+                      <a:r>
+                        <a:rPr lang="pt-PT" dirty="0" err="1"/>
+                        <a:t>track</a:t>
+                      </a:r>
+                      <a:endParaRPr lang="pt-PT" dirty="0"/>
+                    </a:p>
+                  </a:txBody>
+                  <a:tcPr/>
+                </a:tc>
+                <a:tc>
+                  <a:txBody>
+                    <a:bodyPr/>
+                    <a:lstStyle/>
+                    <a:p>
+                      <a:pPr algn="l"/>
+                      <a:r>
+                        <a:rPr lang="pt-PT" dirty="0"/>
+                        <a:t>Color – </a:t>
+                      </a:r>
+                      <a:r>
+                        <a:rPr lang="pt-PT" dirty="0" err="1"/>
+                        <a:t>selected</a:t>
+                      </a:r>
+                      <a:r>
+                        <a:rPr lang="pt-PT" dirty="0"/>
+                        <a:t> </a:t>
+                      </a:r>
+                      <a:r>
+                        <a:rPr lang="pt-PT" dirty="0" err="1"/>
+                        <a:t>tracks</a:t>
+                      </a:r>
+                      <a:endParaRPr lang="pt-PT" dirty="0"/>
+                    </a:p>
+                    <a:p>
+                      <a:pPr algn="l"/>
+                      <a:r>
+                        <a:rPr lang="pt-PT" dirty="0" err="1"/>
+                        <a:t>Position</a:t>
+                      </a:r>
+                      <a:r>
+                        <a:rPr lang="pt-PT" dirty="0"/>
+                        <a:t> (horizontal) – </a:t>
+                      </a:r>
+                      <a:r>
+                        <a:rPr lang="pt-PT" dirty="0" err="1"/>
+                        <a:t>feature</a:t>
+                      </a:r>
+                      <a:r>
+                        <a:rPr lang="pt-PT" dirty="0"/>
+                        <a:t> </a:t>
+                      </a:r>
+                      <a:r>
+                        <a:rPr lang="pt-PT" dirty="0" err="1"/>
+                        <a:t>value</a:t>
+                      </a:r>
+                      <a:endParaRPr lang="pt-PT" dirty="0"/>
+                    </a:p>
+                    <a:p>
+                      <a:pPr algn="l"/>
+                      <a:r>
+                        <a:rPr lang="pt-PT" dirty="0" err="1"/>
+                        <a:t>Position</a:t>
+                      </a:r>
+                      <a:r>
+                        <a:rPr lang="pt-PT" dirty="0"/>
+                        <a:t> (Vertical) – </a:t>
+                      </a:r>
+                      <a:r>
+                        <a:rPr lang="pt-PT" dirty="0" err="1"/>
+                        <a:t>number</a:t>
+                      </a:r>
+                      <a:r>
+                        <a:rPr lang="pt-PT" dirty="0"/>
+                        <a:t> </a:t>
+                      </a:r>
+                      <a:r>
+                        <a:rPr lang="pt-PT" dirty="0" err="1"/>
+                        <a:t>of</a:t>
+                      </a:r>
+                      <a:r>
+                        <a:rPr lang="pt-PT" dirty="0"/>
+                        <a:t> </a:t>
+                      </a:r>
+                      <a:r>
+                        <a:rPr lang="pt-PT" dirty="0" err="1"/>
+                        <a:t>streams</a:t>
+                      </a:r>
+                      <a:endParaRPr lang="pt-PT" dirty="0"/>
+                    </a:p>
+                  </a:txBody>
+                  <a:tcPr/>
+                </a:tc>
+                <a:extLst>
+                  <a:ext uri="{0D108BD9-81ED-4DB2-BD59-A6C34878D82A}">
+                    <a16:rowId xmlns:a16="http://schemas.microsoft.com/office/drawing/2014/main" val="1094789678"/>
+                  </a:ext>
+                </a:extLst>
+              </a:tr>
+              <a:tr h="1150551">
+                <a:tc>
+                  <a:txBody>
+                    <a:bodyPr/>
+                    <a:lstStyle/>
+                    <a:p>
+                      <a:pPr algn="l"/>
+                      <a:r>
+                        <a:rPr lang="pt-PT" dirty="0" err="1"/>
+                        <a:t>Line</a:t>
+                      </a:r>
+                      <a:r>
+                        <a:rPr lang="pt-PT" dirty="0"/>
+                        <a:t> </a:t>
+                      </a:r>
+                      <a:r>
+                        <a:rPr lang="pt-PT" dirty="0" err="1"/>
+                        <a:t>chart</a:t>
+                      </a:r>
+                      <a:r>
+                        <a:rPr lang="pt-PT" dirty="0"/>
+                        <a:t> </a:t>
+                      </a:r>
+                    </a:p>
+                  </a:txBody>
+                  <a:tcPr/>
+                </a:tc>
+                <a:tc>
+                  <a:txBody>
+                    <a:bodyPr/>
+                    <a:lstStyle/>
+                    <a:p>
+                      <a:pPr algn="l"/>
+                      <a:r>
+                        <a:rPr lang="pt-PT" dirty="0" err="1"/>
+                        <a:t>Point</a:t>
+                      </a:r>
+                      <a:r>
+                        <a:rPr lang="pt-PT" dirty="0"/>
+                        <a:t> – </a:t>
+                      </a:r>
+                      <a:r>
+                        <a:rPr lang="pt-PT" dirty="0" err="1"/>
+                        <a:t>track’s</a:t>
+                      </a:r>
+                      <a:r>
+                        <a:rPr lang="pt-PT" dirty="0"/>
+                        <a:t> </a:t>
+                      </a:r>
+                      <a:r>
+                        <a:rPr lang="pt-PT" dirty="0" err="1"/>
+                        <a:t>streams</a:t>
+                      </a:r>
+                      <a:r>
+                        <a:rPr lang="pt-PT" dirty="0"/>
+                        <a:t> in a particular </a:t>
+                      </a:r>
+                      <a:r>
+                        <a:rPr lang="pt-PT" dirty="0" err="1"/>
+                        <a:t>day</a:t>
+                      </a:r>
+                      <a:r>
+                        <a:rPr lang="pt-PT" dirty="0"/>
+                        <a:t> (</a:t>
+                      </a:r>
+                      <a:r>
+                        <a:rPr lang="pt-PT" dirty="0" err="1"/>
+                        <a:t>or</a:t>
+                      </a:r>
+                      <a:r>
+                        <a:rPr lang="pt-PT" dirty="0"/>
+                        <a:t> </a:t>
+                      </a:r>
+                      <a:r>
+                        <a:rPr lang="pt-PT" dirty="0" err="1"/>
+                        <a:t>acumulation</a:t>
+                      </a:r>
+                      <a:r>
+                        <a:rPr lang="pt-PT" dirty="0"/>
+                        <a:t>)</a:t>
+                      </a:r>
+                    </a:p>
+                  </a:txBody>
+                  <a:tcPr/>
+                </a:tc>
+                <a:tc>
+                  <a:txBody>
+                    <a:bodyPr/>
+                    <a:lstStyle/>
+                    <a:p>
+                      <a:pPr algn="l"/>
+                      <a:r>
+                        <a:rPr lang="pt-PT" dirty="0"/>
+                        <a:t>Color – a </a:t>
+                      </a:r>
+                      <a:r>
+                        <a:rPr lang="pt-PT" dirty="0" err="1"/>
+                        <a:t>selected</a:t>
+                      </a:r>
+                      <a:r>
+                        <a:rPr lang="pt-PT" dirty="0"/>
+                        <a:t> </a:t>
+                      </a:r>
+                      <a:r>
+                        <a:rPr lang="pt-PT" dirty="0" err="1"/>
+                        <a:t>track</a:t>
+                      </a:r>
+                      <a:endParaRPr lang="pt-PT" dirty="0"/>
+                    </a:p>
+                    <a:p>
+                      <a:pPr algn="l"/>
+                      <a:r>
+                        <a:rPr lang="pt-PT" dirty="0" err="1"/>
+                        <a:t>Position</a:t>
+                      </a:r>
+                      <a:r>
+                        <a:rPr lang="pt-PT" dirty="0"/>
+                        <a:t> (horizontal) – </a:t>
+                      </a:r>
+                      <a:r>
+                        <a:rPr lang="pt-PT" dirty="0" err="1"/>
+                        <a:t>day</a:t>
+                      </a:r>
+                      <a:endParaRPr lang="pt-PT" dirty="0"/>
+                    </a:p>
+                    <a:p>
+                      <a:pPr algn="l"/>
+                      <a:r>
+                        <a:rPr lang="pt-PT" dirty="0" err="1"/>
+                        <a:t>Position</a:t>
+                      </a:r>
+                      <a:r>
+                        <a:rPr lang="pt-PT" dirty="0"/>
+                        <a:t> (vertical) – nº </a:t>
+                      </a:r>
+                      <a:r>
+                        <a:rPr lang="pt-PT" dirty="0" err="1"/>
+                        <a:t>of</a:t>
+                      </a:r>
+                      <a:r>
+                        <a:rPr lang="pt-PT" dirty="0"/>
+                        <a:t> </a:t>
+                      </a:r>
+                      <a:r>
+                        <a:rPr lang="pt-PT" dirty="0" err="1"/>
+                        <a:t>streams</a:t>
+                      </a:r>
+                      <a:endParaRPr lang="pt-PT" dirty="0"/>
+                    </a:p>
+                  </a:txBody>
+                  <a:tcPr/>
+                </a:tc>
+                <a:extLst>
+                  <a:ext uri="{0D108BD9-81ED-4DB2-BD59-A6C34878D82A}">
+                    <a16:rowId xmlns:a16="http://schemas.microsoft.com/office/drawing/2014/main" val="2493638254"/>
+                  </a:ext>
+                </a:extLst>
+              </a:tr>
+              <a:tr h="654355">
+                <a:tc>
+                  <a:txBody>
+                    <a:bodyPr/>
+                    <a:lstStyle/>
+                    <a:p>
+                      <a:pPr algn="l"/>
+                      <a:r>
+                        <a:rPr lang="pt-PT" dirty="0"/>
+                        <a:t>…</a:t>
+                      </a:r>
+                    </a:p>
+                  </a:txBody>
+                  <a:tcPr/>
+                </a:tc>
+                <a:tc>
+                  <a:txBody>
+                    <a:bodyPr/>
+                    <a:lstStyle/>
+                    <a:p>
+                      <a:pPr algn="l"/>
+                      <a:r>
+                        <a:rPr lang="pt-PT" dirty="0"/>
+                        <a:t>…</a:t>
+                      </a:r>
+                    </a:p>
+                  </a:txBody>
+                  <a:tcPr/>
+                </a:tc>
+                <a:tc>
+                  <a:txBody>
+                    <a:bodyPr/>
+                    <a:lstStyle/>
+                    <a:p>
+                      <a:pPr algn="l"/>
+                      <a:r>
+                        <a:rPr lang="pt-PT" dirty="0"/>
+                        <a:t>…</a:t>
+                      </a:r>
+                    </a:p>
+                  </a:txBody>
+                  <a:tcPr/>
+                </a:tc>
+                <a:extLst>
+                  <a:ext uri="{0D108BD9-81ED-4DB2-BD59-A6C34878D82A}">
+                    <a16:rowId xmlns:a16="http://schemas.microsoft.com/office/drawing/2014/main" val="3241804631"/>
+                  </a:ext>
+                </a:extLst>
+              </a:tr>
+            </a:tbl>
+          </a:graphicData>
+        </a:graphic>
+      </p:graphicFrame>
     </p:spTree>
     <p:extLst>
       <p:ext uri="{BB962C8B-B14F-4D97-AF65-F5344CB8AC3E}">
@@ -4543,12 +4929,12 @@
       </p:grpSpPr>
       <p:sp>
         <p:nvSpPr>
-          <p:cNvPr id="2" name="Title 1"/>
-          <p:cNvSpPr>
-            <a:spLocks noGrp="1"/>
-          </p:cNvSpPr>
-          <p:nvPr>
-            <p:ph type="title"/>
+          <p:cNvPr id="6" name="Text Placeholder 5"/>
+          <p:cNvSpPr>
+            <a:spLocks noGrp="1"/>
+          </p:cNvSpPr>
+          <p:nvPr>
+            <p:ph type="body" sz="quarter" idx="11"/>
           </p:nvPr>
         </p:nvSpPr>
         <p:spPr/>
@@ -4556,48 +4942,88 @@
           <a:bodyPr/>
           <a:lstStyle/>
           <a:p>
-            <a:r>
-              <a:rPr lang="en-US" dirty="0"/>
-              <a:t>Visual Encoding</a:t>
-            </a:r>
-            <a:endParaRPr lang="pt-PT" dirty="0"/>
-          </a:p>
-        </p:txBody>
-      </p:sp>
-      <p:sp>
-        <p:nvSpPr>
-          <p:cNvPr id="3" name="Content Placeholder 2"/>
-          <p:cNvSpPr>
-            <a:spLocks noGrp="1"/>
-          </p:cNvSpPr>
-          <p:nvPr>
-            <p:ph idx="1"/>
+            <a:endParaRPr lang="en-US" dirty="0"/>
+          </a:p>
+        </p:txBody>
+      </p:sp>
+      <p:sp>
+        <p:nvSpPr>
+          <p:cNvPr id="29" name="Text Placeholder 28"/>
+          <p:cNvSpPr>
+            <a:spLocks noGrp="1"/>
+          </p:cNvSpPr>
+          <p:nvPr>
+            <p:ph type="body" sz="quarter" idx="10"/>
           </p:nvPr>
         </p:nvSpPr>
         <p:spPr/>
         <p:txBody>
-          <a:bodyPr>
+          <a:bodyPr/>
+          <a:lstStyle/>
+          <a:p>
+            <a:r>
+              <a:rPr lang="pt-PT" sz="16600" dirty="0"/>
+              <a:t>03</a:t>
+            </a:r>
+          </a:p>
+        </p:txBody>
+      </p:sp>
+      <p:sp>
+        <p:nvSpPr>
+          <p:cNvPr id="4" name="Title 3"/>
+          <p:cNvSpPr>
+            <a:spLocks noGrp="1"/>
+          </p:cNvSpPr>
+          <p:nvPr>
+            <p:ph type="title"/>
+          </p:nvPr>
+        </p:nvSpPr>
+        <p:spPr>
+          <a:xfrm>
+            <a:off x="1907704" y="3214686"/>
+            <a:ext cx="7160096" cy="3033714"/>
+          </a:xfrm>
+          <a:solidFill>
+            <a:srgbClr val="FFFFFF">
+              <a:alpha val="80000"/>
+            </a:srgbClr>
+          </a:solidFill>
+        </p:spPr>
+        <p:txBody>
+          <a:bodyPr rIns="288000">
             <a:noAutofit/>
           </a:bodyPr>
           <a:lstStyle/>
           <a:p>
-            <a:r>
-              <a:rPr lang="en-US" sz="4000" dirty="0"/>
-              <a:t>Item2 | Type:</a:t>
-            </a:r>
-          </a:p>
-          <a:p>
-            <a:r>
-              <a:rPr lang="en-US" sz="4000" dirty="0"/>
-              <a:t>Visual Encoding:</a:t>
-            </a:r>
+            <a:pPr marL="0" algn="r"/>
+            <a:r>
+              <a:rPr lang="pt-PT" sz="6000" dirty="0" err="1"/>
+              <a:t>Answering</a:t>
+            </a:r>
+            <a:r>
+              <a:rPr lang="pt-PT" sz="6000" dirty="0"/>
+              <a:t> </a:t>
+            </a:r>
+            <a:r>
+              <a:rPr lang="pt-PT" sz="6000" dirty="0" err="1"/>
+              <a:t>the</a:t>
+            </a:r>
+            <a:r>
+              <a:rPr lang="pt-PT" sz="6000" dirty="0"/>
+              <a:t> </a:t>
+            </a:r>
+            <a:r>
+              <a:rPr lang="pt-PT" sz="6000" dirty="0" err="1"/>
+              <a:t>Questions</a:t>
+            </a:r>
+            <a:endParaRPr lang="pt-PT" sz="6000" dirty="0"/>
           </a:p>
         </p:txBody>
       </p:sp>
     </p:spTree>
     <p:extLst>
       <p:ext uri="{BB962C8B-B14F-4D97-AF65-F5344CB8AC3E}">
-        <p14:creationId xmlns:p14="http://schemas.microsoft.com/office/powerpoint/2010/main" val="4281510844"/>
+        <p14:creationId xmlns:p14="http://schemas.microsoft.com/office/powerpoint/2010/main" val="627357321"/>
       </p:ext>
     </p:extLst>
   </p:cSld>
@@ -4626,101 +5052,108 @@
       </p:grpSpPr>
       <p:sp>
         <p:nvSpPr>
-          <p:cNvPr id="6" name="Text Placeholder 5"/>
-          <p:cNvSpPr>
-            <a:spLocks noGrp="1"/>
-          </p:cNvSpPr>
-          <p:nvPr>
-            <p:ph type="body" sz="quarter" idx="11"/>
+          <p:cNvPr id="2" name="Title 1"/>
+          <p:cNvSpPr>
+            <a:spLocks noGrp="1"/>
+          </p:cNvSpPr>
+          <p:nvPr>
+            <p:ph type="title"/>
           </p:nvPr>
         </p:nvSpPr>
         <p:spPr/>
         <p:txBody>
-          <a:bodyPr/>
-          <a:lstStyle/>
-          <a:p>
-            <a:endParaRPr lang="en-US" dirty="0"/>
-          </a:p>
-        </p:txBody>
-      </p:sp>
-      <p:sp>
-        <p:nvSpPr>
-          <p:cNvPr id="29" name="Text Placeholder 28"/>
-          <p:cNvSpPr>
-            <a:spLocks noGrp="1"/>
-          </p:cNvSpPr>
-          <p:nvPr>
-            <p:ph type="body" sz="quarter" idx="10"/>
-          </p:nvPr>
-        </p:nvSpPr>
-        <p:spPr/>
-        <p:txBody>
-          <a:bodyPr/>
-          <a:lstStyle/>
-          <a:p>
-            <a:r>
-              <a:rPr lang="pt-PT" sz="16600" dirty="0"/>
-              <a:t>03</a:t>
-            </a:r>
-          </a:p>
-        </p:txBody>
-      </p:sp>
-      <p:sp>
-        <p:nvSpPr>
-          <p:cNvPr id="4" name="Title 3"/>
-          <p:cNvSpPr>
-            <a:spLocks noGrp="1"/>
-          </p:cNvSpPr>
-          <p:nvPr>
-            <p:ph type="title"/>
-          </p:nvPr>
-        </p:nvSpPr>
-        <p:spPr>
-          <a:xfrm>
-            <a:off x="1907704" y="3214686"/>
-            <a:ext cx="7160096" cy="3033714"/>
-          </a:xfrm>
-          <a:solidFill>
-            <a:srgbClr val="FFFFFF">
-              <a:alpha val="80000"/>
-            </a:srgbClr>
-          </a:solidFill>
-        </p:spPr>
-        <p:txBody>
-          <a:bodyPr rIns="288000">
+          <a:bodyPr>
             <a:noAutofit/>
           </a:bodyPr>
           <a:lstStyle/>
           <a:p>
-            <a:pPr marL="0" algn="r"/>
-            <a:r>
-              <a:rPr lang="pt-PT" sz="6000" dirty="0" err="1"/>
-              <a:t>Answering</a:t>
-            </a:r>
-            <a:r>
-              <a:rPr lang="pt-PT" sz="6000" dirty="0"/>
-              <a:t> </a:t>
-            </a:r>
-            <a:r>
-              <a:rPr lang="pt-PT" sz="6000" dirty="0" err="1"/>
-              <a:t>the</a:t>
-            </a:r>
-            <a:r>
-              <a:rPr lang="pt-PT" sz="6000" dirty="0"/>
-              <a:t> </a:t>
-            </a:r>
-            <a:r>
-              <a:rPr lang="pt-PT" sz="6000" dirty="0" err="1"/>
-              <a:t>Questions</a:t>
-            </a:r>
-            <a:endParaRPr lang="pt-PT" sz="6000" dirty="0"/>
-          </a:p>
-        </p:txBody>
-      </p:sp>
+            <a:r>
+              <a:rPr lang="en-GB" sz="2800" b="1" dirty="0"/>
+              <a:t>How does the features (energy, loudness, tempo, etc) of the track affect its popularity?</a:t>
+            </a:r>
+            <a:endParaRPr lang="pt-PT" sz="2800" dirty="0"/>
+          </a:p>
+        </p:txBody>
+      </p:sp>
+      <p:sp>
+        <p:nvSpPr>
+          <p:cNvPr id="3" name="Content Placeholder 2"/>
+          <p:cNvSpPr>
+            <a:spLocks noGrp="1"/>
+          </p:cNvSpPr>
+          <p:nvPr>
+            <p:ph idx="1"/>
+          </p:nvPr>
+        </p:nvSpPr>
+        <p:spPr>
+          <a:xfrm>
+            <a:off x="457200" y="5157192"/>
+            <a:ext cx="8435280" cy="1700808"/>
+          </a:xfrm>
+        </p:spPr>
+        <p:txBody>
+          <a:bodyPr>
+            <a:noAutofit/>
+          </a:bodyPr>
+          <a:lstStyle/>
+          <a:p>
+            <a:pPr algn="just"/>
+            <a:r>
+              <a:rPr lang="en-US" sz="2200" dirty="0"/>
+              <a:t>	</a:t>
+            </a:r>
+            <a:r>
+              <a:rPr lang="en-US" sz="2000" b="0" dirty="0"/>
+              <a:t>After selecting in the list on the left the desired tracks to analyze. They will appear on the Star Chart (Idiom 1) and be highlighted on the Scatter Plot (Idiom 2), that way we can analyze with the average of all the tracks in the desired period. And we can also analyze specific traits of the tracks on the scatter plot, which will appear what we select with the rest of the tracks</a:t>
+            </a:r>
+          </a:p>
+        </p:txBody>
+      </p:sp>
+      <p:pic>
+        <p:nvPicPr>
+          <p:cNvPr id="4" name="Graphic 2">
+            <a:extLst>
+              <a:ext uri="{FF2B5EF4-FFF2-40B4-BE49-F238E27FC236}">
+                <a16:creationId xmlns:a16="http://schemas.microsoft.com/office/drawing/2014/main" id="{C4BA5F8D-AAF0-45D5-BFDD-6E1579C93EA1}"/>
+              </a:ext>
+            </a:extLst>
+          </p:cNvPr>
+          <p:cNvPicPr/>
+          <p:nvPr/>
+        </p:nvPicPr>
+        <p:blipFill rotWithShape="1">
+          <a:blip r:embed="rId3">
+            <a:extLst>
+              <a:ext uri="{96DAC541-7B7A-43D3-8B79-37D633B846F1}">
+                <asvg:svgBlip xmlns:asvg="http://schemas.microsoft.com/office/drawing/2016/SVG/main" r:embed="rId4"/>
+              </a:ext>
+            </a:extLst>
+          </a:blip>
+          <a:srcRect b="44115"/>
+          <a:stretch/>
+        </p:blipFill>
+        <p:spPr bwMode="auto">
+          <a:xfrm>
+            <a:off x="1231532" y="811704"/>
+            <a:ext cx="6886615" cy="4443976"/>
+          </a:xfrm>
+          <a:prstGeom prst="rect">
+            <a:avLst/>
+          </a:prstGeom>
+          <a:ln>
+            <a:noFill/>
+          </a:ln>
+          <a:extLst>
+            <a:ext uri="{53640926-AAD7-44D8-BBD7-CCE9431645EC}">
+              <a14:shadowObscured xmlns:a14="http://schemas.microsoft.com/office/drawing/2010/main"/>
+            </a:ext>
+          </a:extLst>
+        </p:spPr>
+      </p:pic>
     </p:spTree>
     <p:extLst>
       <p:ext uri="{BB962C8B-B14F-4D97-AF65-F5344CB8AC3E}">
-        <p14:creationId xmlns:p14="http://schemas.microsoft.com/office/powerpoint/2010/main" val="627357321"/>
+        <p14:creationId xmlns:p14="http://schemas.microsoft.com/office/powerpoint/2010/main" val="2962997025"/>
       </p:ext>
     </p:extLst>
   </p:cSld>

--- a/checkpoint3/52.pptx
+++ b/checkpoint3/52.pptx
@@ -5,10 +5,10 @@
     <p:sldMasterId id="2147483648" r:id="rId1"/>
   </p:sldMasterIdLst>
   <p:notesMasterIdLst>
-    <p:notesMasterId r:id="rId13"/>
+    <p:notesMasterId r:id="rId14"/>
   </p:notesMasterIdLst>
   <p:handoutMasterIdLst>
-    <p:handoutMasterId r:id="rId14"/>
+    <p:handoutMasterId r:id="rId15"/>
   </p:handoutMasterIdLst>
   <p:sldIdLst>
     <p:sldId id="256" r:id="rId2"/>
@@ -18,10 +18,11 @@
     <p:sldId id="1114" r:id="rId6"/>
     <p:sldId id="257" r:id="rId7"/>
     <p:sldId id="1096" r:id="rId8"/>
-    <p:sldId id="1097" r:id="rId9"/>
-    <p:sldId id="1098" r:id="rId10"/>
-    <p:sldId id="1115" r:id="rId11"/>
-    <p:sldId id="1116" r:id="rId12"/>
+    <p:sldId id="1117" r:id="rId9"/>
+    <p:sldId id="1097" r:id="rId10"/>
+    <p:sldId id="1098" r:id="rId11"/>
+    <p:sldId id="1115" r:id="rId12"/>
+    <p:sldId id="1116" r:id="rId13"/>
   </p:sldIdLst>
   <p:sldSz cx="9144000" cy="6858000" type="screen4x3"/>
   <p:notesSz cx="6858000" cy="9144000"/>
@@ -893,7 +894,7 @@
             <a:fld id="{F535F173-C1DD-4975-94BF-5B9ED67F7674}" type="slidenum">
               <a:rPr lang="en-US" smtClean="0"/>
               <a:pPr/>
-              <a:t>9</a:t>
+              <a:t>10</a:t>
             </a:fld>
             <a:endParaRPr lang="en-US"/>
           </a:p>
@@ -978,7 +979,7 @@
             <a:fld id="{F535F173-C1DD-4975-94BF-5B9ED67F7674}" type="slidenum">
               <a:rPr lang="en-US" smtClean="0"/>
               <a:pPr/>
-              <a:t>10</a:t>
+              <a:t>11</a:t>
             </a:fld>
             <a:endParaRPr lang="en-US"/>
           </a:p>
@@ -3511,6 +3512,136 @@
           <a:p>
             <a:r>
               <a:rPr lang="en-GB" sz="2800" b="1" dirty="0"/>
+              <a:t>How does the features (energy, loudness, tempo, etc) of the track affect its popularity?</a:t>
+            </a:r>
+            <a:endParaRPr lang="pt-PT" sz="2800" dirty="0"/>
+          </a:p>
+        </p:txBody>
+      </p:sp>
+      <p:sp>
+        <p:nvSpPr>
+          <p:cNvPr id="3" name="Content Placeholder 2"/>
+          <p:cNvSpPr>
+            <a:spLocks noGrp="1"/>
+          </p:cNvSpPr>
+          <p:nvPr>
+            <p:ph idx="1"/>
+          </p:nvPr>
+        </p:nvSpPr>
+        <p:spPr>
+          <a:xfrm>
+            <a:off x="457200" y="5157192"/>
+            <a:ext cx="8435280" cy="1700808"/>
+          </a:xfrm>
+        </p:spPr>
+        <p:txBody>
+          <a:bodyPr>
+            <a:noAutofit/>
+          </a:bodyPr>
+          <a:lstStyle/>
+          <a:p>
+            <a:pPr algn="just"/>
+            <a:r>
+              <a:rPr lang="en-US" sz="2200" dirty="0"/>
+              <a:t>	</a:t>
+            </a:r>
+            <a:r>
+              <a:rPr lang="en-US" sz="2000" b="0" dirty="0"/>
+              <a:t>After selecting in the list on the left the desired tracks to analyze. They will appear on the Star Chart (Idiom 1) and be highlighted on the Scatter Plot (Idiom 2), that way we can analyze with the average of all the tracks in the desired period. And we can also analyze specific traits of the tracks on the scatter plot, which will appear what we select with the rest of the tracks</a:t>
+            </a:r>
+          </a:p>
+        </p:txBody>
+      </p:sp>
+      <p:pic>
+        <p:nvPicPr>
+          <p:cNvPr id="4" name="Graphic 2">
+            <a:extLst>
+              <a:ext uri="{FF2B5EF4-FFF2-40B4-BE49-F238E27FC236}">
+                <a16:creationId xmlns:a16="http://schemas.microsoft.com/office/drawing/2014/main" id="{C4BA5F8D-AAF0-45D5-BFDD-6E1579C93EA1}"/>
+              </a:ext>
+            </a:extLst>
+          </p:cNvPr>
+          <p:cNvPicPr/>
+          <p:nvPr/>
+        </p:nvPicPr>
+        <p:blipFill rotWithShape="1">
+          <a:blip r:embed="rId3">
+            <a:extLst>
+              <a:ext uri="{96DAC541-7B7A-43D3-8B79-37D633B846F1}">
+                <asvg:svgBlip xmlns:asvg="http://schemas.microsoft.com/office/drawing/2016/SVG/main" r:embed="rId4"/>
+              </a:ext>
+            </a:extLst>
+          </a:blip>
+          <a:srcRect b="44115"/>
+          <a:stretch/>
+        </p:blipFill>
+        <p:spPr bwMode="auto">
+          <a:xfrm>
+            <a:off x="1231532" y="811704"/>
+            <a:ext cx="6886615" cy="4443976"/>
+          </a:xfrm>
+          <a:prstGeom prst="rect">
+            <a:avLst/>
+          </a:prstGeom>
+          <a:ln>
+            <a:noFill/>
+          </a:ln>
+          <a:extLst>
+            <a:ext uri="{53640926-AAD7-44D8-BBD7-CCE9431645EC}">
+              <a14:shadowObscured xmlns:a14="http://schemas.microsoft.com/office/drawing/2010/main"/>
+            </a:ext>
+          </a:extLst>
+        </p:spPr>
+      </p:pic>
+    </p:spTree>
+    <p:extLst>
+      <p:ext uri="{BB962C8B-B14F-4D97-AF65-F5344CB8AC3E}">
+        <p14:creationId xmlns:p14="http://schemas.microsoft.com/office/powerpoint/2010/main" val="2962997025"/>
+      </p:ext>
+    </p:extLst>
+  </p:cSld>
+  <p:clrMapOvr>
+    <a:masterClrMapping/>
+  </p:clrMapOvr>
+</p:sld>
+</file>
+
+<file path=ppt/slides/slide11.xml><?xml version="1.0" encoding="utf-8"?>
+<p:sld xmlns:a="http://schemas.openxmlformats.org/drawingml/2006/main" xmlns:r="http://schemas.openxmlformats.org/officeDocument/2006/relationships" xmlns:p="http://schemas.openxmlformats.org/presentationml/2006/main">
+  <p:cSld>
+    <p:spTree>
+      <p:nvGrpSpPr>
+        <p:cNvPr id="1" name=""/>
+        <p:cNvGrpSpPr/>
+        <p:nvPr/>
+      </p:nvGrpSpPr>
+      <p:grpSpPr>
+        <a:xfrm>
+          <a:off x="0" y="0"/>
+          <a:ext cx="0" cy="0"/>
+          <a:chOff x="0" y="0"/>
+          <a:chExt cx="0" cy="0"/>
+        </a:xfrm>
+      </p:grpSpPr>
+      <p:sp>
+        <p:nvSpPr>
+          <p:cNvPr id="2" name="Title 1"/>
+          <p:cNvSpPr>
+            <a:spLocks noGrp="1"/>
+          </p:cNvSpPr>
+          <p:nvPr>
+            <p:ph type="title"/>
+          </p:nvPr>
+        </p:nvSpPr>
+        <p:spPr/>
+        <p:txBody>
+          <a:bodyPr>
+            <a:noAutofit/>
+          </a:bodyPr>
+          <a:lstStyle/>
+          <a:p>
+            <a:r>
+              <a:rPr lang="en-GB" sz="2800" b="1" dirty="0"/>
               <a:t>Which artists have had a good 2019? Which tracks were most played during a period?</a:t>
             </a:r>
             <a:endParaRPr lang="pt-PT" sz="2800" dirty="0"/>
@@ -3610,7 +3741,7 @@
 </p:sld>
 </file>
 
-<file path=ppt/slides/slide11.xml><?xml version="1.0" encoding="utf-8"?>
+<file path=ppt/slides/slide12.xml><?xml version="1.0" encoding="utf-8"?>
 <p:sld xmlns:a="http://schemas.openxmlformats.org/drawingml/2006/main" xmlns:r="http://schemas.openxmlformats.org/officeDocument/2006/relationships" xmlns:p="http://schemas.openxmlformats.org/presentationml/2006/main">
   <p:cSld>
     <p:spTree>
@@ -3669,6 +3800,42 @@
           </a:p>
         </p:txBody>
       </p:sp>
+      <p:pic>
+        <p:nvPicPr>
+          <p:cNvPr id="4" name="Imagem 3">
+            <a:extLst>
+              <a:ext uri="{FF2B5EF4-FFF2-40B4-BE49-F238E27FC236}">
+                <a16:creationId xmlns:a16="http://schemas.microsoft.com/office/drawing/2014/main" id="{54A11B0E-5C88-43FA-B36A-7C55CFC57EAE}"/>
+              </a:ext>
+            </a:extLst>
+          </p:cNvPr>
+          <p:cNvPicPr>
+            <a:picLocks noChangeAspect="1"/>
+          </p:cNvPicPr>
+          <p:nvPr/>
+        </p:nvPicPr>
+        <p:blipFill>
+          <a:blip r:embed="rId2" cstate="print">
+            <a:extLst>
+              <a:ext uri="{28A0092B-C50C-407E-A947-70E740481C1C}">
+                <a14:useLocalDpi xmlns:a14="http://schemas.microsoft.com/office/drawing/2010/main" val="0"/>
+              </a:ext>
+            </a:extLst>
+          </a:blip>
+          <a:stretch>
+            <a:fillRect/>
+          </a:stretch>
+        </p:blipFill>
+        <p:spPr>
+          <a:xfrm>
+            <a:off x="-32" y="1268760"/>
+            <a:ext cx="9144000" cy="5112568"/>
+          </a:xfrm>
+          <a:prstGeom prst="rect">
+            <a:avLst/>
+          </a:prstGeom>
+        </p:spPr>
+      </p:pic>
     </p:spTree>
     <p:extLst>
       <p:ext uri="{BB962C8B-B14F-4D97-AF65-F5344CB8AC3E}">
@@ -4312,591 +4479,222 @@
       </p:grpSpPr>
       <p:sp>
         <p:nvSpPr>
-          <p:cNvPr id="2" name="Title 1"/>
-          <p:cNvSpPr>
-            <a:spLocks noGrp="1"/>
-          </p:cNvSpPr>
-          <p:nvPr>
-            <p:ph type="title"/>
-          </p:nvPr>
-        </p:nvSpPr>
-        <p:spPr/>
-        <p:txBody>
-          <a:bodyPr/>
-          <a:lstStyle/>
-          <a:p>
-            <a:r>
-              <a:rPr lang="en-US" dirty="0"/>
-              <a:t>Visual Encoding</a:t>
-            </a:r>
-            <a:endParaRPr lang="pt-PT" dirty="0"/>
-          </a:p>
-        </p:txBody>
-      </p:sp>
-      <p:graphicFrame>
-        <p:nvGraphicFramePr>
-          <p:cNvPr id="5" name="Tabela 4">
+          <p:cNvPr id="10" name="Título 9">
             <a:extLst>
               <a:ext uri="{FF2B5EF4-FFF2-40B4-BE49-F238E27FC236}">
-                <a16:creationId xmlns:a16="http://schemas.microsoft.com/office/drawing/2014/main" id="{67D8C9A9-478E-4674-87DF-DC9F1C0C987C}"/>
+                <a16:creationId xmlns:a16="http://schemas.microsoft.com/office/drawing/2014/main" id="{06185FE7-EACB-974F-B559-6F1D457714D5}"/>
               </a:ext>
             </a:extLst>
           </p:cNvPr>
-          <p:cNvGraphicFramePr>
-            <a:graphicFrameLocks noGrp="1"/>
-          </p:cNvGraphicFramePr>
-          <p:nvPr>
-            <p:extLst>
-              <p:ext uri="{D42A27DB-BD31-4B8C-83A1-F6EECF244321}">
-                <p14:modId xmlns:p14="http://schemas.microsoft.com/office/powerpoint/2010/main" val="2449284684"/>
-              </p:ext>
-            </p:extLst>
-          </p:nvPr>
-        </p:nvGraphicFramePr>
-        <p:xfrm>
-          <a:off x="410552" y="983145"/>
-          <a:ext cx="8322864" cy="5724385"/>
-        </p:xfrm>
-        <a:graphic>
-          <a:graphicData uri="http://schemas.openxmlformats.org/drawingml/2006/table">
-            <a:tbl>
-              <a:tblPr firstRow="1" bandRow="1">
-                <a:tableStyleId>{9D7B26C5-4107-4FEC-AEDC-1716B250A1EF}</a:tableStyleId>
-              </a:tblPr>
-              <a:tblGrid>
-                <a:gridCol w="2774288">
-                  <a:extLst>
-                    <a:ext uri="{9D8B030D-6E8A-4147-A177-3AD203B41FA5}">
-                      <a16:colId xmlns:a16="http://schemas.microsoft.com/office/drawing/2014/main" val="3389396376"/>
-                    </a:ext>
-                  </a:extLst>
-                </a:gridCol>
-                <a:gridCol w="2774288">
-                  <a:extLst>
-                    <a:ext uri="{9D8B030D-6E8A-4147-A177-3AD203B41FA5}">
-                      <a16:colId xmlns:a16="http://schemas.microsoft.com/office/drawing/2014/main" val="2441177269"/>
-                    </a:ext>
-                  </a:extLst>
-                </a:gridCol>
-                <a:gridCol w="2774288">
-                  <a:extLst>
-                    <a:ext uri="{9D8B030D-6E8A-4147-A177-3AD203B41FA5}">
-                      <a16:colId xmlns:a16="http://schemas.microsoft.com/office/drawing/2014/main" val="4979353"/>
-                    </a:ext>
-                  </a:extLst>
-                </a:gridCol>
-              </a:tblGrid>
-              <a:tr h="654355">
-                <a:tc>
-                  <a:txBody>
-                    <a:bodyPr/>
-                    <a:lstStyle/>
-                    <a:p>
-                      <a:pPr algn="l"/>
-                      <a:r>
-                        <a:rPr lang="pt-PT" dirty="0" err="1"/>
-                        <a:t>Idiom</a:t>
-                      </a:r>
-                      <a:endParaRPr lang="pt-PT" dirty="0"/>
-                    </a:p>
-                  </a:txBody>
-                  <a:tcPr/>
-                </a:tc>
-                <a:tc>
-                  <a:txBody>
-                    <a:bodyPr/>
-                    <a:lstStyle/>
-                    <a:p>
-                      <a:pPr algn="l"/>
-                      <a:r>
-                        <a:rPr lang="pt-PT" dirty="0" err="1"/>
-                        <a:t>Marks</a:t>
-                      </a:r>
-                      <a:endParaRPr lang="pt-PT" dirty="0"/>
-                    </a:p>
-                  </a:txBody>
-                  <a:tcPr/>
-                </a:tc>
-                <a:tc>
-                  <a:txBody>
-                    <a:bodyPr/>
-                    <a:lstStyle/>
-                    <a:p>
-                      <a:pPr algn="l"/>
-                      <a:r>
-                        <a:rPr lang="pt-PT" dirty="0" err="1"/>
-                        <a:t>Channels</a:t>
-                      </a:r>
-                      <a:endParaRPr lang="pt-PT" dirty="0"/>
-                    </a:p>
-                  </a:txBody>
-                  <a:tcPr/>
-                </a:tc>
-                <a:extLst>
-                  <a:ext uri="{0D108BD9-81ED-4DB2-BD59-A6C34878D82A}">
-                    <a16:rowId xmlns:a16="http://schemas.microsoft.com/office/drawing/2014/main" val="716316037"/>
-                  </a:ext>
-                </a:extLst>
-              </a:tr>
-              <a:tr h="1129434">
-                <a:tc>
-                  <a:txBody>
-                    <a:bodyPr/>
-                    <a:lstStyle/>
-                    <a:p>
-                      <a:pPr algn="l"/>
-                      <a:r>
-                        <a:rPr lang="pt-PT" dirty="0" err="1"/>
-                        <a:t>Spider</a:t>
-                      </a:r>
-                      <a:r>
-                        <a:rPr lang="pt-PT" dirty="0"/>
-                        <a:t> </a:t>
-                      </a:r>
-                      <a:r>
-                        <a:rPr lang="pt-PT" dirty="0" err="1"/>
-                        <a:t>chart</a:t>
-                      </a:r>
-                      <a:endParaRPr lang="pt-PT" dirty="0"/>
-                    </a:p>
-                  </a:txBody>
-                  <a:tcPr/>
-                </a:tc>
-                <a:tc>
-                  <a:txBody>
-                    <a:bodyPr/>
-                    <a:lstStyle/>
-                    <a:p>
-                      <a:pPr algn="l"/>
-                      <a:r>
-                        <a:rPr lang="pt-PT" dirty="0" err="1"/>
-                        <a:t>Point</a:t>
-                      </a:r>
-                      <a:r>
-                        <a:rPr lang="pt-PT" dirty="0"/>
-                        <a:t> – </a:t>
-                      </a:r>
-                      <a:r>
-                        <a:rPr lang="pt-PT" dirty="0" err="1"/>
-                        <a:t>track</a:t>
-                      </a:r>
-                      <a:r>
-                        <a:rPr lang="pt-PT" dirty="0"/>
-                        <a:t> </a:t>
-                      </a:r>
-                      <a:r>
-                        <a:rPr lang="pt-PT" dirty="0" err="1"/>
-                        <a:t>feature</a:t>
-                      </a:r>
-                      <a:endParaRPr lang="pt-PT" dirty="0"/>
-                    </a:p>
-                  </a:txBody>
-                  <a:tcPr/>
-                </a:tc>
-                <a:tc>
-                  <a:txBody>
-                    <a:bodyPr/>
-                    <a:lstStyle/>
-                    <a:p>
-                      <a:pPr algn="l"/>
-                      <a:r>
-                        <a:rPr lang="pt-PT" dirty="0"/>
-                        <a:t>Color – a </a:t>
-                      </a:r>
-                      <a:r>
-                        <a:rPr lang="pt-PT" dirty="0" err="1"/>
-                        <a:t>selected</a:t>
-                      </a:r>
-                      <a:r>
-                        <a:rPr lang="pt-PT" dirty="0"/>
-                        <a:t> </a:t>
-                      </a:r>
-                      <a:r>
-                        <a:rPr lang="pt-PT" dirty="0" err="1"/>
-                        <a:t>track</a:t>
-                      </a:r>
-                      <a:endParaRPr lang="pt-PT" dirty="0"/>
-                    </a:p>
-                    <a:p>
-                      <a:pPr algn="l"/>
-                      <a:r>
-                        <a:rPr lang="pt-PT" dirty="0" err="1"/>
-                        <a:t>Position</a:t>
-                      </a:r>
-                      <a:r>
-                        <a:rPr lang="pt-PT" dirty="0"/>
-                        <a:t> – </a:t>
-                      </a:r>
-                      <a:r>
-                        <a:rPr lang="pt-PT" dirty="0" err="1"/>
-                        <a:t>feature</a:t>
-                      </a:r>
-                      <a:r>
-                        <a:rPr lang="pt-PT" dirty="0"/>
-                        <a:t> </a:t>
-                      </a:r>
-                      <a:r>
-                        <a:rPr lang="pt-PT" dirty="0" err="1"/>
-                        <a:t>value</a:t>
-                      </a:r>
-                      <a:endParaRPr lang="pt-PT" dirty="0"/>
-                    </a:p>
-                  </a:txBody>
-                  <a:tcPr/>
-                </a:tc>
-                <a:extLst>
-                  <a:ext uri="{0D108BD9-81ED-4DB2-BD59-A6C34878D82A}">
-                    <a16:rowId xmlns:a16="http://schemas.microsoft.com/office/drawing/2014/main" val="3836248553"/>
-                  </a:ext>
-                </a:extLst>
-              </a:tr>
-              <a:tr h="2097521">
-                <a:tc>
-                  <a:txBody>
-                    <a:bodyPr/>
-                    <a:lstStyle/>
-                    <a:p>
-                      <a:pPr algn="l"/>
-                      <a:r>
-                        <a:rPr lang="pt-PT" dirty="0" err="1"/>
-                        <a:t>Scatter</a:t>
-                      </a:r>
-                      <a:r>
-                        <a:rPr lang="pt-PT" dirty="0"/>
-                        <a:t> </a:t>
-                      </a:r>
-                      <a:r>
-                        <a:rPr lang="pt-PT" dirty="0" err="1"/>
-                        <a:t>plot</a:t>
-                      </a:r>
-                      <a:endParaRPr lang="pt-PT" dirty="0"/>
-                    </a:p>
-                  </a:txBody>
-                  <a:tcPr/>
-                </a:tc>
-                <a:tc>
-                  <a:txBody>
-                    <a:bodyPr/>
-                    <a:lstStyle/>
-                    <a:p>
-                      <a:pPr algn="l"/>
-                      <a:r>
-                        <a:rPr lang="pt-PT" dirty="0" err="1"/>
-                        <a:t>Point</a:t>
-                      </a:r>
-                      <a:r>
-                        <a:rPr lang="pt-PT" dirty="0"/>
-                        <a:t> - </a:t>
-                      </a:r>
-                      <a:r>
-                        <a:rPr lang="pt-PT" dirty="0" err="1"/>
-                        <a:t>track</a:t>
-                      </a:r>
-                      <a:endParaRPr lang="pt-PT" dirty="0"/>
-                    </a:p>
-                  </a:txBody>
-                  <a:tcPr/>
-                </a:tc>
-                <a:tc>
-                  <a:txBody>
-                    <a:bodyPr/>
-                    <a:lstStyle/>
-                    <a:p>
-                      <a:pPr algn="l"/>
-                      <a:r>
-                        <a:rPr lang="pt-PT" dirty="0"/>
-                        <a:t>Color – </a:t>
-                      </a:r>
-                      <a:r>
-                        <a:rPr lang="pt-PT" dirty="0" err="1"/>
-                        <a:t>selected</a:t>
-                      </a:r>
-                      <a:r>
-                        <a:rPr lang="pt-PT" dirty="0"/>
-                        <a:t> </a:t>
-                      </a:r>
-                      <a:r>
-                        <a:rPr lang="pt-PT" dirty="0" err="1"/>
-                        <a:t>tracks</a:t>
-                      </a:r>
-                      <a:endParaRPr lang="pt-PT" dirty="0"/>
-                    </a:p>
-                    <a:p>
-                      <a:pPr algn="l"/>
-                      <a:r>
-                        <a:rPr lang="pt-PT" dirty="0" err="1"/>
-                        <a:t>Position</a:t>
-                      </a:r>
-                      <a:r>
-                        <a:rPr lang="pt-PT" dirty="0"/>
-                        <a:t> (horizontal) – </a:t>
-                      </a:r>
-                      <a:r>
-                        <a:rPr lang="pt-PT" dirty="0" err="1"/>
-                        <a:t>feature</a:t>
-                      </a:r>
-                      <a:r>
-                        <a:rPr lang="pt-PT" dirty="0"/>
-                        <a:t> </a:t>
-                      </a:r>
-                      <a:r>
-                        <a:rPr lang="pt-PT" dirty="0" err="1"/>
-                        <a:t>value</a:t>
-                      </a:r>
-                      <a:endParaRPr lang="pt-PT" dirty="0"/>
-                    </a:p>
-                    <a:p>
-                      <a:pPr algn="l"/>
-                      <a:r>
-                        <a:rPr lang="pt-PT" dirty="0" err="1"/>
-                        <a:t>Position</a:t>
-                      </a:r>
-                      <a:r>
-                        <a:rPr lang="pt-PT" dirty="0"/>
-                        <a:t> (Vertical) – </a:t>
-                      </a:r>
-                      <a:r>
-                        <a:rPr lang="pt-PT" dirty="0" err="1"/>
-                        <a:t>number</a:t>
-                      </a:r>
-                      <a:r>
-                        <a:rPr lang="pt-PT" dirty="0"/>
-                        <a:t> </a:t>
-                      </a:r>
-                      <a:r>
-                        <a:rPr lang="pt-PT" dirty="0" err="1"/>
-                        <a:t>of</a:t>
-                      </a:r>
-                      <a:r>
-                        <a:rPr lang="pt-PT" dirty="0"/>
-                        <a:t> </a:t>
-                      </a:r>
-                      <a:r>
-                        <a:rPr lang="pt-PT" dirty="0" err="1"/>
-                        <a:t>streams</a:t>
-                      </a:r>
-                      <a:endParaRPr lang="pt-PT" dirty="0"/>
-                    </a:p>
-                  </a:txBody>
-                  <a:tcPr/>
-                </a:tc>
-                <a:extLst>
-                  <a:ext uri="{0D108BD9-81ED-4DB2-BD59-A6C34878D82A}">
-                    <a16:rowId xmlns:a16="http://schemas.microsoft.com/office/drawing/2014/main" val="1094789678"/>
-                  </a:ext>
-                </a:extLst>
-              </a:tr>
-              <a:tr h="1150551">
-                <a:tc>
-                  <a:txBody>
-                    <a:bodyPr/>
-                    <a:lstStyle/>
-                    <a:p>
-                      <a:pPr algn="l"/>
-                      <a:r>
-                        <a:rPr lang="pt-PT" dirty="0" err="1"/>
-                        <a:t>Line</a:t>
-                      </a:r>
-                      <a:r>
-                        <a:rPr lang="pt-PT" dirty="0"/>
-                        <a:t> </a:t>
-                      </a:r>
-                      <a:r>
-                        <a:rPr lang="pt-PT" dirty="0" err="1"/>
-                        <a:t>chart</a:t>
-                      </a:r>
-                      <a:r>
-                        <a:rPr lang="pt-PT" dirty="0"/>
-                        <a:t> </a:t>
-                      </a:r>
-                    </a:p>
-                  </a:txBody>
-                  <a:tcPr/>
-                </a:tc>
-                <a:tc>
-                  <a:txBody>
-                    <a:bodyPr/>
-                    <a:lstStyle/>
-                    <a:p>
-                      <a:pPr algn="l"/>
-                      <a:r>
-                        <a:rPr lang="pt-PT" dirty="0" err="1"/>
-                        <a:t>Point</a:t>
-                      </a:r>
-                      <a:r>
-                        <a:rPr lang="pt-PT" dirty="0"/>
-                        <a:t> – </a:t>
-                      </a:r>
-                      <a:r>
-                        <a:rPr lang="pt-PT" dirty="0" err="1"/>
-                        <a:t>track’s</a:t>
-                      </a:r>
-                      <a:r>
-                        <a:rPr lang="pt-PT" dirty="0"/>
-                        <a:t> </a:t>
-                      </a:r>
-                      <a:r>
-                        <a:rPr lang="pt-PT" dirty="0" err="1"/>
-                        <a:t>streams</a:t>
-                      </a:r>
-                      <a:r>
-                        <a:rPr lang="pt-PT" dirty="0"/>
-                        <a:t> in a particular </a:t>
-                      </a:r>
-                      <a:r>
-                        <a:rPr lang="pt-PT" dirty="0" err="1"/>
-                        <a:t>day</a:t>
-                      </a:r>
-                      <a:r>
-                        <a:rPr lang="pt-PT" dirty="0"/>
-                        <a:t> (</a:t>
-                      </a:r>
-                      <a:r>
-                        <a:rPr lang="pt-PT" dirty="0" err="1"/>
-                        <a:t>or</a:t>
-                      </a:r>
-                      <a:r>
-                        <a:rPr lang="pt-PT" dirty="0"/>
-                        <a:t> </a:t>
-                      </a:r>
-                      <a:r>
-                        <a:rPr lang="pt-PT" dirty="0" err="1"/>
-                        <a:t>acumulation</a:t>
-                      </a:r>
-                      <a:r>
-                        <a:rPr lang="pt-PT" dirty="0"/>
-                        <a:t>)</a:t>
-                      </a:r>
-                    </a:p>
-                  </a:txBody>
-                  <a:tcPr/>
-                </a:tc>
-                <a:tc>
-                  <a:txBody>
-                    <a:bodyPr/>
-                    <a:lstStyle/>
-                    <a:p>
-                      <a:pPr algn="l"/>
-                      <a:r>
-                        <a:rPr lang="pt-PT" dirty="0"/>
-                        <a:t>Color – a </a:t>
-                      </a:r>
-                      <a:r>
-                        <a:rPr lang="pt-PT" dirty="0" err="1"/>
-                        <a:t>selected</a:t>
-                      </a:r>
-                      <a:r>
-                        <a:rPr lang="pt-PT" dirty="0"/>
-                        <a:t> </a:t>
-                      </a:r>
-                      <a:r>
-                        <a:rPr lang="pt-PT" dirty="0" err="1"/>
-                        <a:t>track</a:t>
-                      </a:r>
-                      <a:endParaRPr lang="pt-PT" dirty="0"/>
-                    </a:p>
-                    <a:p>
-                      <a:pPr algn="l"/>
-                      <a:r>
-                        <a:rPr lang="pt-PT" dirty="0" err="1"/>
-                        <a:t>Position</a:t>
-                      </a:r>
-                      <a:r>
-                        <a:rPr lang="pt-PT" dirty="0"/>
-                        <a:t> (horizontal) – </a:t>
-                      </a:r>
-                      <a:r>
-                        <a:rPr lang="pt-PT" dirty="0" err="1"/>
-                        <a:t>day</a:t>
-                      </a:r>
-                      <a:endParaRPr lang="pt-PT" dirty="0"/>
-                    </a:p>
-                    <a:p>
-                      <a:pPr algn="l"/>
-                      <a:r>
-                        <a:rPr lang="pt-PT" dirty="0" err="1"/>
-                        <a:t>Position</a:t>
-                      </a:r>
-                      <a:r>
-                        <a:rPr lang="pt-PT" dirty="0"/>
-                        <a:t> (vertical) – nº </a:t>
-                      </a:r>
-                      <a:r>
-                        <a:rPr lang="pt-PT" dirty="0" err="1"/>
-                        <a:t>of</a:t>
-                      </a:r>
-                      <a:r>
-                        <a:rPr lang="pt-PT" dirty="0"/>
-                        <a:t> </a:t>
-                      </a:r>
-                      <a:r>
-                        <a:rPr lang="pt-PT" dirty="0" err="1"/>
-                        <a:t>streams</a:t>
-                      </a:r>
-                      <a:endParaRPr lang="pt-PT" dirty="0"/>
-                    </a:p>
-                  </a:txBody>
-                  <a:tcPr/>
-                </a:tc>
-                <a:extLst>
-                  <a:ext uri="{0D108BD9-81ED-4DB2-BD59-A6C34878D82A}">
-                    <a16:rowId xmlns:a16="http://schemas.microsoft.com/office/drawing/2014/main" val="2493638254"/>
-                  </a:ext>
-                </a:extLst>
-              </a:tr>
-              <a:tr h="654355">
-                <a:tc>
-                  <a:txBody>
-                    <a:bodyPr/>
-                    <a:lstStyle/>
-                    <a:p>
-                      <a:pPr algn="l"/>
-                      <a:r>
-                        <a:rPr lang="pt-PT" dirty="0"/>
-                        <a:t>…</a:t>
-                      </a:r>
-                    </a:p>
-                  </a:txBody>
-                  <a:tcPr/>
-                </a:tc>
-                <a:tc>
-                  <a:txBody>
-                    <a:bodyPr/>
-                    <a:lstStyle/>
-                    <a:p>
-                      <a:pPr algn="l"/>
-                      <a:r>
-                        <a:rPr lang="pt-PT" dirty="0"/>
-                        <a:t>…</a:t>
-                      </a:r>
-                    </a:p>
-                  </a:txBody>
-                  <a:tcPr/>
-                </a:tc>
-                <a:tc>
-                  <a:txBody>
-                    <a:bodyPr/>
-                    <a:lstStyle/>
-                    <a:p>
-                      <a:pPr algn="l"/>
-                      <a:r>
-                        <a:rPr lang="pt-PT" dirty="0"/>
-                        <a:t>…</a:t>
-                      </a:r>
-                    </a:p>
-                  </a:txBody>
-                  <a:tcPr/>
-                </a:tc>
-                <a:extLst>
-                  <a:ext uri="{0D108BD9-81ED-4DB2-BD59-A6C34878D82A}">
-                    <a16:rowId xmlns:a16="http://schemas.microsoft.com/office/drawing/2014/main" val="3241804631"/>
-                  </a:ext>
-                </a:extLst>
-              </a:tr>
-            </a:tbl>
-          </a:graphicData>
-        </a:graphic>
-      </p:graphicFrame>
+          <p:cNvSpPr>
+            <a:spLocks noGrp="1"/>
+          </p:cNvSpPr>
+          <p:nvPr>
+            <p:ph type="title"/>
+          </p:nvPr>
+        </p:nvSpPr>
+        <p:spPr/>
+        <p:txBody>
+          <a:bodyPr/>
+          <a:lstStyle/>
+          <a:p>
+            <a:endParaRPr lang="pt-PT"/>
+          </a:p>
+        </p:txBody>
+      </p:sp>
+      <p:sp>
+        <p:nvSpPr>
+          <p:cNvPr id="11" name="Title 1">
+            <a:extLst>
+              <a:ext uri="{FF2B5EF4-FFF2-40B4-BE49-F238E27FC236}">
+                <a16:creationId xmlns:a16="http://schemas.microsoft.com/office/drawing/2014/main" id="{4DD18087-B758-3F4A-A53C-001D1CB045E6}"/>
+              </a:ext>
+            </a:extLst>
+          </p:cNvPr>
+          <p:cNvSpPr txBox="1">
+            <a:spLocks/>
+          </p:cNvSpPr>
+          <p:nvPr/>
+        </p:nvSpPr>
+        <p:spPr>
+          <a:xfrm>
+            <a:off x="-32" y="-24"/>
+            <a:ext cx="9144032" cy="857256"/>
+          </a:xfrm>
+          <a:prstGeom prst="rect">
+            <a:avLst/>
+          </a:prstGeom>
+          <a:solidFill>
+            <a:srgbClr val="336699"/>
+          </a:solidFill>
+        </p:spPr>
+        <p:txBody>
+          <a:bodyPr vert="horz" lIns="91440" tIns="45720" rIns="91440" bIns="45720" rtlCol="0" anchor="ctr">
+            <a:normAutofit/>
+          </a:bodyPr>
+          <a:lstStyle>
+            <a:lvl1pPr marL="358775" indent="0" algn="l" defTabSz="914400" rtl="0" eaLnBrk="1" latinLnBrk="0" hangingPunct="1">
+              <a:spcBef>
+                <a:spcPct val="0"/>
+              </a:spcBef>
+              <a:buNone/>
+              <a:defRPr sz="4400" kern="1200">
+                <a:solidFill>
+                  <a:schemeClr val="bg1"/>
+                </a:solidFill>
+                <a:latin typeface="+mj-lt"/>
+                <a:ea typeface="+mj-ea"/>
+                <a:cs typeface="+mj-cs"/>
+              </a:defRPr>
+            </a:lvl1pPr>
+          </a:lstStyle>
+          <a:p>
+            <a:r>
+              <a:rPr lang="en-US"/>
+              <a:t>Visual Encoding</a:t>
+            </a:r>
+            <a:endParaRPr lang="pt-PT" dirty="0"/>
+          </a:p>
+        </p:txBody>
+      </p:sp>
+      <p:sp>
+        <p:nvSpPr>
+          <p:cNvPr id="12" name="Content Placeholder 2">
+            <a:extLst>
+              <a:ext uri="{FF2B5EF4-FFF2-40B4-BE49-F238E27FC236}">
+                <a16:creationId xmlns:a16="http://schemas.microsoft.com/office/drawing/2014/main" id="{4600A13A-F007-8149-A1A8-A032E23878C0}"/>
+              </a:ext>
+            </a:extLst>
+          </p:cNvPr>
+          <p:cNvSpPr>
+            <a:spLocks noGrp="1"/>
+          </p:cNvSpPr>
+          <p:nvPr>
+            <p:ph idx="1"/>
+          </p:nvPr>
+        </p:nvSpPr>
+        <p:spPr>
+          <a:xfrm>
+            <a:off x="457200" y="1285860"/>
+            <a:ext cx="8229600" cy="5214974"/>
+          </a:xfrm>
+        </p:spPr>
+        <p:txBody>
+          <a:bodyPr>
+            <a:noAutofit/>
+          </a:bodyPr>
+          <a:lstStyle/>
+          <a:p>
+            <a:r>
+              <a:rPr lang="en-US" sz="4000" dirty="0"/>
+              <a:t>Idiom: Spider chart </a:t>
+            </a:r>
+          </a:p>
+          <a:p>
+            <a:r>
+              <a:rPr lang="en-US" sz="2400" dirty="0"/>
+              <a:t>Marks:</a:t>
+            </a:r>
+            <a:endParaRPr lang="pt-PT" sz="2400" dirty="0"/>
+          </a:p>
+          <a:p>
+            <a:pPr lvl="0"/>
+            <a:r>
+              <a:rPr lang="en-US" sz="2400" dirty="0"/>
+              <a:t>	</a:t>
+            </a:r>
+            <a:r>
+              <a:rPr lang="en-US" sz="2800" dirty="0"/>
+              <a:t>Point</a:t>
+            </a:r>
+            <a:r>
+              <a:rPr lang="en-US" sz="2400" dirty="0"/>
+              <a:t> – A track feature</a:t>
+            </a:r>
+          </a:p>
+          <a:p>
+            <a:pPr lvl="0"/>
+            <a:endParaRPr lang="pt-PT" sz="2400" dirty="0"/>
+          </a:p>
+          <a:p>
+            <a:r>
+              <a:rPr lang="en-US" sz="2400" dirty="0"/>
+              <a:t>Channels:</a:t>
+            </a:r>
+            <a:endParaRPr lang="pt-PT" sz="2400" dirty="0"/>
+          </a:p>
+          <a:p>
+            <a:pPr lvl="0"/>
+            <a:r>
+              <a:rPr lang="en-US" sz="2400" dirty="0"/>
+              <a:t>	</a:t>
+            </a:r>
+            <a:r>
+              <a:rPr lang="en-US" sz="2800" dirty="0"/>
+              <a:t>Color</a:t>
+            </a:r>
+            <a:r>
+              <a:rPr lang="en-US" sz="2400" dirty="0"/>
+              <a:t> – A selected track</a:t>
+            </a:r>
+            <a:endParaRPr lang="pt-PT" sz="2400" dirty="0"/>
+          </a:p>
+          <a:p>
+            <a:pPr lvl="0"/>
+            <a:r>
+              <a:rPr lang="en-US" sz="2400" dirty="0"/>
+              <a:t>	</a:t>
+            </a:r>
+            <a:r>
+              <a:rPr lang="en-US" sz="2800" dirty="0"/>
+              <a:t>Position</a:t>
+            </a:r>
+            <a:r>
+              <a:rPr lang="en-US" sz="2400" dirty="0"/>
+              <a:t> (distance to the center) – Feature value</a:t>
+            </a:r>
+            <a:endParaRPr lang="pt-PT" sz="2400" dirty="0"/>
+          </a:p>
+          <a:p>
+            <a:endParaRPr lang="en-US" sz="4000" dirty="0"/>
+          </a:p>
+        </p:txBody>
+      </p:sp>
+      <p:pic>
+        <p:nvPicPr>
+          <p:cNvPr id="13" name="Imagem 12">
+            <a:extLst>
+              <a:ext uri="{FF2B5EF4-FFF2-40B4-BE49-F238E27FC236}">
+                <a16:creationId xmlns:a16="http://schemas.microsoft.com/office/drawing/2014/main" id="{E6ADD0D8-4298-834B-A7C1-6CE1B42281C1}"/>
+              </a:ext>
+            </a:extLst>
+          </p:cNvPr>
+          <p:cNvPicPr/>
+          <p:nvPr/>
+        </p:nvPicPr>
+        <p:blipFill rotWithShape="1">
+          <a:blip r:embed="rId3"/>
+          <a:srcRect b="2986"/>
+          <a:stretch/>
+        </p:blipFill>
+        <p:spPr bwMode="auto">
+          <a:xfrm>
+            <a:off x="4932040" y="2564904"/>
+            <a:ext cx="3387900" cy="2359164"/>
+          </a:xfrm>
+          <a:prstGeom prst="rect">
+            <a:avLst/>
+          </a:prstGeom>
+          <a:ln>
+            <a:noFill/>
+          </a:ln>
+          <a:extLst>
+            <a:ext uri="{53640926-AAD7-44D8-BBD7-CCE9431645EC}">
+              <a14:shadowObscured xmlns:a14="http://schemas.microsoft.com/office/drawing/2010/main"/>
+            </a:ext>
+          </a:extLst>
+        </p:spPr>
+      </p:pic>
     </p:spTree>
     <p:extLst>
       <p:ext uri="{BB962C8B-B14F-4D97-AF65-F5344CB8AC3E}">
@@ -4929,101 +4727,149 @@
       </p:grpSpPr>
       <p:sp>
         <p:nvSpPr>
-          <p:cNvPr id="6" name="Text Placeholder 5"/>
-          <p:cNvSpPr>
-            <a:spLocks noGrp="1"/>
-          </p:cNvSpPr>
-          <p:nvPr>
-            <p:ph type="body" sz="quarter" idx="11"/>
-          </p:nvPr>
-        </p:nvSpPr>
-        <p:spPr/>
+          <p:cNvPr id="7" name="Title 1">
+            <a:extLst>
+              <a:ext uri="{FF2B5EF4-FFF2-40B4-BE49-F238E27FC236}">
+                <a16:creationId xmlns:a16="http://schemas.microsoft.com/office/drawing/2014/main" id="{9E66ED9D-95FF-0C4D-B009-3448D433AAFE}"/>
+              </a:ext>
+            </a:extLst>
+          </p:cNvPr>
+          <p:cNvSpPr>
+            <a:spLocks noGrp="1"/>
+          </p:cNvSpPr>
+          <p:nvPr>
+            <p:ph type="title"/>
+          </p:nvPr>
+        </p:nvSpPr>
+        <p:spPr>
+          <a:xfrm>
+            <a:off x="-32" y="-24"/>
+            <a:ext cx="9144032" cy="857256"/>
+          </a:xfrm>
+        </p:spPr>
         <p:txBody>
           <a:bodyPr/>
           <a:lstStyle/>
           <a:p>
-            <a:endParaRPr lang="en-US" dirty="0"/>
-          </a:p>
-        </p:txBody>
-      </p:sp>
-      <p:sp>
-        <p:nvSpPr>
-          <p:cNvPr id="29" name="Text Placeholder 28"/>
-          <p:cNvSpPr>
-            <a:spLocks noGrp="1"/>
-          </p:cNvSpPr>
-          <p:nvPr>
-            <p:ph type="body" sz="quarter" idx="10"/>
-          </p:nvPr>
-        </p:nvSpPr>
-        <p:spPr/>
-        <p:txBody>
-          <a:bodyPr/>
-          <a:lstStyle/>
-          <a:p>
-            <a:r>
-              <a:rPr lang="pt-PT" sz="16600" dirty="0"/>
-              <a:t>03</a:t>
-            </a:r>
-          </a:p>
-        </p:txBody>
-      </p:sp>
-      <p:sp>
-        <p:nvSpPr>
-          <p:cNvPr id="4" name="Title 3"/>
-          <p:cNvSpPr>
-            <a:spLocks noGrp="1"/>
-          </p:cNvSpPr>
-          <p:nvPr>
-            <p:ph type="title"/>
+            <a:r>
+              <a:rPr lang="en-US" dirty="0"/>
+              <a:t>Visual Encoding</a:t>
+            </a:r>
+            <a:endParaRPr lang="pt-PT" dirty="0"/>
+          </a:p>
+        </p:txBody>
+      </p:sp>
+      <p:sp>
+        <p:nvSpPr>
+          <p:cNvPr id="8" name="Content Placeholder 2">
+            <a:extLst>
+              <a:ext uri="{FF2B5EF4-FFF2-40B4-BE49-F238E27FC236}">
+                <a16:creationId xmlns:a16="http://schemas.microsoft.com/office/drawing/2014/main" id="{CD052DE4-6306-0E47-8267-F9EBB5FB1157}"/>
+              </a:ext>
+            </a:extLst>
+          </p:cNvPr>
+          <p:cNvSpPr>
+            <a:spLocks noGrp="1"/>
+          </p:cNvSpPr>
+          <p:nvPr>
+            <p:ph idx="1"/>
           </p:nvPr>
         </p:nvSpPr>
         <p:spPr>
           <a:xfrm>
-            <a:off x="1907704" y="3214686"/>
-            <a:ext cx="7160096" cy="3033714"/>
+            <a:off x="457200" y="1285860"/>
+            <a:ext cx="8229600" cy="5214974"/>
           </a:xfrm>
-          <a:solidFill>
-            <a:srgbClr val="FFFFFF">
-              <a:alpha val="80000"/>
-            </a:srgbClr>
-          </a:solidFill>
         </p:spPr>
         <p:txBody>
-          <a:bodyPr rIns="288000">
+          <a:bodyPr>
             <a:noAutofit/>
           </a:bodyPr>
           <a:lstStyle/>
           <a:p>
-            <a:pPr marL="0" algn="r"/>
-            <a:r>
-              <a:rPr lang="pt-PT" sz="6000" dirty="0" err="1"/>
-              <a:t>Answering</a:t>
-            </a:r>
-            <a:r>
-              <a:rPr lang="pt-PT" sz="6000" dirty="0"/>
-              <a:t> </a:t>
-            </a:r>
-            <a:r>
-              <a:rPr lang="pt-PT" sz="6000" dirty="0" err="1"/>
-              <a:t>the</a:t>
-            </a:r>
-            <a:r>
-              <a:rPr lang="pt-PT" sz="6000" dirty="0"/>
-              <a:t> </a:t>
-            </a:r>
-            <a:r>
-              <a:rPr lang="pt-PT" sz="6000" dirty="0" err="1"/>
-              <a:t>Questions</a:t>
-            </a:r>
-            <a:endParaRPr lang="pt-PT" sz="6000" dirty="0"/>
-          </a:p>
-        </p:txBody>
-      </p:sp>
+            <a:r>
+              <a:rPr lang="en-US" sz="4000" dirty="0"/>
+              <a:t>Idiom: Word Cloud</a:t>
+            </a:r>
+          </a:p>
+          <a:p>
+            <a:r>
+              <a:rPr lang="en-US" sz="2400" dirty="0"/>
+              <a:t>Marks:</a:t>
+            </a:r>
+            <a:endParaRPr lang="pt-PT" sz="2400" dirty="0"/>
+          </a:p>
+          <a:p>
+            <a:pPr lvl="0"/>
+            <a:r>
+              <a:rPr lang="en-US" sz="2800" dirty="0"/>
+              <a:t>	Word</a:t>
+            </a:r>
+            <a:r>
+              <a:rPr lang="en-US" sz="2400" dirty="0"/>
+              <a:t> – An artist</a:t>
+            </a:r>
+          </a:p>
+          <a:p>
+            <a:pPr lvl="0"/>
+            <a:endParaRPr lang="pt-PT" sz="2400" dirty="0"/>
+          </a:p>
+          <a:p>
+            <a:r>
+              <a:rPr lang="en-US" sz="2400" dirty="0"/>
+              <a:t>Channels:</a:t>
+            </a:r>
+            <a:endParaRPr lang="pt-PT" sz="2400" dirty="0"/>
+          </a:p>
+          <a:p>
+            <a:pPr lvl="0"/>
+            <a:r>
+              <a:rPr lang="en-US" sz="2800" dirty="0"/>
+              <a:t>	Size</a:t>
+            </a:r>
+            <a:r>
+              <a:rPr lang="en-US" sz="2400" dirty="0"/>
+              <a:t> – The artist’s accumulated streams</a:t>
+            </a:r>
+            <a:endParaRPr lang="pt-PT" sz="2400" dirty="0"/>
+          </a:p>
+          <a:p>
+            <a:endParaRPr lang="en-US" sz="4000" dirty="0"/>
+          </a:p>
+        </p:txBody>
+      </p:sp>
+      <p:pic>
+        <p:nvPicPr>
+          <p:cNvPr id="9" name="Imagem 8">
+            <a:extLst>
+              <a:ext uri="{FF2B5EF4-FFF2-40B4-BE49-F238E27FC236}">
+                <a16:creationId xmlns:a16="http://schemas.microsoft.com/office/drawing/2014/main" id="{83A425F4-8AAF-0742-8B99-BF43F0341C2A}"/>
+              </a:ext>
+            </a:extLst>
+          </p:cNvPr>
+          <p:cNvPicPr/>
+          <p:nvPr/>
+        </p:nvPicPr>
+        <p:blipFill>
+          <a:blip r:embed="rId2"/>
+          <a:stretch>
+            <a:fillRect/>
+          </a:stretch>
+        </p:blipFill>
+        <p:spPr>
+          <a:xfrm>
+            <a:off x="4932040" y="2236031"/>
+            <a:ext cx="3323828" cy="2385938"/>
+          </a:xfrm>
+          <a:prstGeom prst="rect">
+            <a:avLst/>
+          </a:prstGeom>
+        </p:spPr>
+      </p:pic>
     </p:spTree>
     <p:extLst>
       <p:ext uri="{BB962C8B-B14F-4D97-AF65-F5344CB8AC3E}">
-        <p14:creationId xmlns:p14="http://schemas.microsoft.com/office/powerpoint/2010/main" val="627357321"/>
+        <p14:creationId xmlns:p14="http://schemas.microsoft.com/office/powerpoint/2010/main" val="2271244442"/>
       </p:ext>
     </p:extLst>
   </p:cSld>
@@ -5052,7 +4898,48 @@
       </p:grpSpPr>
       <p:sp>
         <p:nvSpPr>
-          <p:cNvPr id="2" name="Title 1"/>
+          <p:cNvPr id="6" name="Text Placeholder 5"/>
+          <p:cNvSpPr>
+            <a:spLocks noGrp="1"/>
+          </p:cNvSpPr>
+          <p:nvPr>
+            <p:ph type="body" sz="quarter" idx="11"/>
+          </p:nvPr>
+        </p:nvSpPr>
+        <p:spPr/>
+        <p:txBody>
+          <a:bodyPr/>
+          <a:lstStyle/>
+          <a:p>
+            <a:endParaRPr lang="en-US" dirty="0"/>
+          </a:p>
+        </p:txBody>
+      </p:sp>
+      <p:sp>
+        <p:nvSpPr>
+          <p:cNvPr id="29" name="Text Placeholder 28"/>
+          <p:cNvSpPr>
+            <a:spLocks noGrp="1"/>
+          </p:cNvSpPr>
+          <p:nvPr>
+            <p:ph type="body" sz="quarter" idx="10"/>
+          </p:nvPr>
+        </p:nvSpPr>
+        <p:spPr/>
+        <p:txBody>
+          <a:bodyPr/>
+          <a:lstStyle/>
+          <a:p>
+            <a:r>
+              <a:rPr lang="pt-PT" sz="16600" dirty="0"/>
+              <a:t>03</a:t>
+            </a:r>
+          </a:p>
+        </p:txBody>
+      </p:sp>
+      <p:sp>
+        <p:nvSpPr>
+          <p:cNvPr id="4" name="Title 3"/>
           <p:cNvSpPr>
             <a:spLocks noGrp="1"/>
           </p:cNvSpPr>
@@ -5060,100 +4947,52 @@
             <p:ph type="title"/>
           </p:nvPr>
         </p:nvSpPr>
-        <p:spPr/>
-        <p:txBody>
-          <a:bodyPr>
+        <p:spPr>
+          <a:xfrm>
+            <a:off x="1907704" y="3214686"/>
+            <a:ext cx="7160096" cy="3033714"/>
+          </a:xfrm>
+          <a:solidFill>
+            <a:srgbClr val="FFFFFF">
+              <a:alpha val="80000"/>
+            </a:srgbClr>
+          </a:solidFill>
+        </p:spPr>
+        <p:txBody>
+          <a:bodyPr rIns="288000">
             <a:noAutofit/>
           </a:bodyPr>
           <a:lstStyle/>
           <a:p>
-            <a:r>
-              <a:rPr lang="en-GB" sz="2800" b="1" dirty="0"/>
-              <a:t>How does the features (energy, loudness, tempo, etc) of the track affect its popularity?</a:t>
-            </a:r>
-            <a:endParaRPr lang="pt-PT" sz="2800" dirty="0"/>
-          </a:p>
-        </p:txBody>
-      </p:sp>
-      <p:sp>
-        <p:nvSpPr>
-          <p:cNvPr id="3" name="Content Placeholder 2"/>
-          <p:cNvSpPr>
-            <a:spLocks noGrp="1"/>
-          </p:cNvSpPr>
-          <p:nvPr>
-            <p:ph idx="1"/>
-          </p:nvPr>
-        </p:nvSpPr>
-        <p:spPr>
-          <a:xfrm>
-            <a:off x="457200" y="5157192"/>
-            <a:ext cx="8435280" cy="1700808"/>
-          </a:xfrm>
-        </p:spPr>
-        <p:txBody>
-          <a:bodyPr>
-            <a:noAutofit/>
-          </a:bodyPr>
-          <a:lstStyle/>
-          <a:p>
-            <a:pPr algn="just"/>
-            <a:r>
-              <a:rPr lang="en-US" sz="2200" dirty="0"/>
-              <a:t>	</a:t>
-            </a:r>
-            <a:r>
-              <a:rPr lang="en-US" sz="2000" b="0" dirty="0"/>
-              <a:t>After selecting in the list on the left the desired tracks to analyze. They will appear on the Star Chart (Idiom 1) and be highlighted on the Scatter Plot (Idiom 2), that way we can analyze with the average of all the tracks in the desired period. And we can also analyze specific traits of the tracks on the scatter plot, which will appear what we select with the rest of the tracks</a:t>
-            </a:r>
-          </a:p>
-        </p:txBody>
-      </p:sp>
-      <p:pic>
-        <p:nvPicPr>
-          <p:cNvPr id="4" name="Graphic 2">
-            <a:extLst>
-              <a:ext uri="{FF2B5EF4-FFF2-40B4-BE49-F238E27FC236}">
-                <a16:creationId xmlns:a16="http://schemas.microsoft.com/office/drawing/2014/main" id="{C4BA5F8D-AAF0-45D5-BFDD-6E1579C93EA1}"/>
-              </a:ext>
-            </a:extLst>
-          </p:cNvPr>
-          <p:cNvPicPr/>
-          <p:nvPr/>
-        </p:nvPicPr>
-        <p:blipFill rotWithShape="1">
-          <a:blip r:embed="rId3">
-            <a:extLst>
-              <a:ext uri="{96DAC541-7B7A-43D3-8B79-37D633B846F1}">
-                <asvg:svgBlip xmlns:asvg="http://schemas.microsoft.com/office/drawing/2016/SVG/main" r:embed="rId4"/>
-              </a:ext>
-            </a:extLst>
-          </a:blip>
-          <a:srcRect b="44115"/>
-          <a:stretch/>
-        </p:blipFill>
-        <p:spPr bwMode="auto">
-          <a:xfrm>
-            <a:off x="1231532" y="811704"/>
-            <a:ext cx="6886615" cy="4443976"/>
-          </a:xfrm>
-          <a:prstGeom prst="rect">
-            <a:avLst/>
-          </a:prstGeom>
-          <a:ln>
-            <a:noFill/>
-          </a:ln>
-          <a:extLst>
-            <a:ext uri="{53640926-AAD7-44D8-BBD7-CCE9431645EC}">
-              <a14:shadowObscured xmlns:a14="http://schemas.microsoft.com/office/drawing/2010/main"/>
-            </a:ext>
-          </a:extLst>
-        </p:spPr>
-      </p:pic>
+            <a:pPr marL="0" algn="r"/>
+            <a:r>
+              <a:rPr lang="pt-PT" sz="6000" dirty="0" err="1"/>
+              <a:t>Answering</a:t>
+            </a:r>
+            <a:r>
+              <a:rPr lang="pt-PT" sz="6000" dirty="0"/>
+              <a:t> </a:t>
+            </a:r>
+            <a:r>
+              <a:rPr lang="pt-PT" sz="6000" dirty="0" err="1"/>
+              <a:t>the</a:t>
+            </a:r>
+            <a:r>
+              <a:rPr lang="pt-PT" sz="6000" dirty="0"/>
+              <a:t> </a:t>
+            </a:r>
+            <a:r>
+              <a:rPr lang="pt-PT" sz="6000" dirty="0" err="1"/>
+              <a:t>Questions</a:t>
+            </a:r>
+            <a:endParaRPr lang="pt-PT" sz="6000" dirty="0"/>
+          </a:p>
+        </p:txBody>
+      </p:sp>
     </p:spTree>
     <p:extLst>
       <p:ext uri="{BB962C8B-B14F-4D97-AF65-F5344CB8AC3E}">
-        <p14:creationId xmlns:p14="http://schemas.microsoft.com/office/powerpoint/2010/main" val="2962997025"/>
+        <p14:creationId xmlns:p14="http://schemas.microsoft.com/office/powerpoint/2010/main" val="627357321"/>
       </p:ext>
     </p:extLst>
   </p:cSld>

--- a/checkpoint3/52.pptx
+++ b/checkpoint3/52.pptx
@@ -5,10 +5,10 @@
     <p:sldMasterId id="2147483648" r:id="rId1"/>
   </p:sldMasterIdLst>
   <p:notesMasterIdLst>
-    <p:notesMasterId r:id="rId14"/>
+    <p:notesMasterId r:id="rId13"/>
   </p:notesMasterIdLst>
   <p:handoutMasterIdLst>
-    <p:handoutMasterId r:id="rId15"/>
+    <p:handoutMasterId r:id="rId14"/>
   </p:handoutMasterIdLst>
   <p:sldIdLst>
     <p:sldId id="256" r:id="rId2"/>
@@ -20,9 +20,8 @@
     <p:sldId id="1096" r:id="rId8"/>
     <p:sldId id="1117" r:id="rId9"/>
     <p:sldId id="1097" r:id="rId10"/>
-    <p:sldId id="1098" r:id="rId11"/>
-    <p:sldId id="1115" r:id="rId12"/>
-    <p:sldId id="1116" r:id="rId13"/>
+    <p:sldId id="1115" r:id="rId11"/>
+    <p:sldId id="1116" r:id="rId12"/>
   </p:sldIdLst>
   <p:sldSz cx="9144000" cy="6858000" type="screen4x3"/>
   <p:notesSz cx="6858000" cy="9144000"/>
@@ -222,7 +221,7 @@
           <a:p>
             <a:fld id="{745C36E7-9E00-462E-80A3-32F2BE615C7A}" type="datetimeFigureOut">
               <a:rPr lang="en-US" smtClean="0"/>
-              <a:t>10/28/2019</a:t>
+              <a:t>10/28/19</a:t>
             </a:fld>
             <a:endParaRPr lang="en-US"/>
           </a:p>
@@ -388,7 +387,7 @@
             <a:fld id="{01F3E309-ED8D-4193-99AF-E5EA90965E98}" type="datetimeFigureOut">
               <a:rPr lang="en-US" smtClean="0"/>
               <a:pPr/>
-              <a:t>10/28/2019</a:t>
+              <a:t>10/28/19</a:t>
             </a:fld>
             <a:endParaRPr lang="en-US"/>
           </a:p>
@@ -903,91 +902,6 @@
     </p:spTree>
     <p:extLst>
       <p:ext uri="{BB962C8B-B14F-4D97-AF65-F5344CB8AC3E}">
-        <p14:creationId xmlns:p14="http://schemas.microsoft.com/office/powerpoint/2010/main" val="1355792998"/>
-      </p:ext>
-    </p:extLst>
-  </p:cSld>
-  <p:clrMapOvr>
-    <a:masterClrMapping/>
-  </p:clrMapOvr>
-</p:notes>
-</file>
-
-<file path=ppt/notesSlides/notesSlide4.xml><?xml version="1.0" encoding="utf-8"?>
-<p:notes xmlns:a="http://schemas.openxmlformats.org/drawingml/2006/main" xmlns:r="http://schemas.openxmlformats.org/officeDocument/2006/relationships" xmlns:p="http://schemas.openxmlformats.org/presentationml/2006/main">
-  <p:cSld>
-    <p:spTree>
-      <p:nvGrpSpPr>
-        <p:cNvPr id="1" name=""/>
-        <p:cNvGrpSpPr/>
-        <p:nvPr/>
-      </p:nvGrpSpPr>
-      <p:grpSpPr>
-        <a:xfrm>
-          <a:off x="0" y="0"/>
-          <a:ext cx="0" cy="0"/>
-          <a:chOff x="0" y="0"/>
-          <a:chExt cx="0" cy="0"/>
-        </a:xfrm>
-      </p:grpSpPr>
-      <p:sp>
-        <p:nvSpPr>
-          <p:cNvPr id="2" name="Slide Image Placeholder 1"/>
-          <p:cNvSpPr>
-            <a:spLocks noGrp="1" noRot="1" noChangeAspect="1"/>
-          </p:cNvSpPr>
-          <p:nvPr>
-            <p:ph type="sldImg"/>
-          </p:nvPr>
-        </p:nvSpPr>
-        <p:spPr/>
-      </p:sp>
-      <p:sp>
-        <p:nvSpPr>
-          <p:cNvPr id="3" name="Notes Placeholder 2"/>
-          <p:cNvSpPr>
-            <a:spLocks noGrp="1"/>
-          </p:cNvSpPr>
-          <p:nvPr>
-            <p:ph type="body" idx="1"/>
-          </p:nvPr>
-        </p:nvSpPr>
-        <p:spPr/>
-        <p:txBody>
-          <a:bodyPr/>
-          <a:lstStyle/>
-          <a:p>
-            <a:endParaRPr lang="en-US" baseline="0" dirty="0"/>
-          </a:p>
-        </p:txBody>
-      </p:sp>
-      <p:sp>
-        <p:nvSpPr>
-          <p:cNvPr id="4" name="Slide Number Placeholder 3"/>
-          <p:cNvSpPr>
-            <a:spLocks noGrp="1"/>
-          </p:cNvSpPr>
-          <p:nvPr>
-            <p:ph type="sldNum" sz="quarter" idx="10"/>
-          </p:nvPr>
-        </p:nvSpPr>
-        <p:spPr/>
-        <p:txBody>
-          <a:bodyPr/>
-          <a:lstStyle/>
-          <a:p>
-            <a:fld id="{F535F173-C1DD-4975-94BF-5B9ED67F7674}" type="slidenum">
-              <a:rPr lang="en-US" smtClean="0"/>
-              <a:pPr/>
-              <a:t>11</a:t>
-            </a:fld>
-            <a:endParaRPr lang="en-US"/>
-          </a:p>
-        </p:txBody>
-      </p:sp>
-    </p:spTree>
-    <p:extLst>
-      <p:ext uri="{BB962C8B-B14F-4D97-AF65-F5344CB8AC3E}">
         <p14:creationId xmlns:p14="http://schemas.microsoft.com/office/powerpoint/2010/main" val="4153865325"/>
       </p:ext>
     </p:extLst>
@@ -1490,7 +1404,7 @@
             <a:fld id="{F3CC9924-33BC-4796-B0F9-D37DB5D899BF}" type="datetimeFigureOut">
               <a:rPr lang="pt-PT" smtClean="0"/>
               <a:pPr/>
-              <a:t>28/10/2019</a:t>
+              <a:t>28/10/19</a:t>
             </a:fld>
             <a:endParaRPr lang="pt-PT"/>
           </a:p>
@@ -3512,136 +3426,6 @@
           <a:p>
             <a:r>
               <a:rPr lang="en-GB" sz="2800" b="1" dirty="0"/>
-              <a:t>How does the features (energy, loudness, tempo, etc) of the track affect its popularity?</a:t>
-            </a:r>
-            <a:endParaRPr lang="pt-PT" sz="2800" dirty="0"/>
-          </a:p>
-        </p:txBody>
-      </p:sp>
-      <p:sp>
-        <p:nvSpPr>
-          <p:cNvPr id="3" name="Content Placeholder 2"/>
-          <p:cNvSpPr>
-            <a:spLocks noGrp="1"/>
-          </p:cNvSpPr>
-          <p:nvPr>
-            <p:ph idx="1"/>
-          </p:nvPr>
-        </p:nvSpPr>
-        <p:spPr>
-          <a:xfrm>
-            <a:off x="457200" y="5157192"/>
-            <a:ext cx="8435280" cy="1700808"/>
-          </a:xfrm>
-        </p:spPr>
-        <p:txBody>
-          <a:bodyPr>
-            <a:noAutofit/>
-          </a:bodyPr>
-          <a:lstStyle/>
-          <a:p>
-            <a:pPr algn="just"/>
-            <a:r>
-              <a:rPr lang="en-US" sz="2200" dirty="0"/>
-              <a:t>	</a:t>
-            </a:r>
-            <a:r>
-              <a:rPr lang="en-US" sz="2000" b="0" dirty="0"/>
-              <a:t>After selecting in the list on the left the desired tracks to analyze. They will appear on the Star Chart (Idiom 1) and be highlighted on the Scatter Plot (Idiom 2), that way we can analyze with the average of all the tracks in the desired period. And we can also analyze specific traits of the tracks on the scatter plot, which will appear what we select with the rest of the tracks</a:t>
-            </a:r>
-          </a:p>
-        </p:txBody>
-      </p:sp>
-      <p:pic>
-        <p:nvPicPr>
-          <p:cNvPr id="4" name="Graphic 2">
-            <a:extLst>
-              <a:ext uri="{FF2B5EF4-FFF2-40B4-BE49-F238E27FC236}">
-                <a16:creationId xmlns:a16="http://schemas.microsoft.com/office/drawing/2014/main" id="{C4BA5F8D-AAF0-45D5-BFDD-6E1579C93EA1}"/>
-              </a:ext>
-            </a:extLst>
-          </p:cNvPr>
-          <p:cNvPicPr/>
-          <p:nvPr/>
-        </p:nvPicPr>
-        <p:blipFill rotWithShape="1">
-          <a:blip r:embed="rId3">
-            <a:extLst>
-              <a:ext uri="{96DAC541-7B7A-43D3-8B79-37D633B846F1}">
-                <asvg:svgBlip xmlns:asvg="http://schemas.microsoft.com/office/drawing/2016/SVG/main" r:embed="rId4"/>
-              </a:ext>
-            </a:extLst>
-          </a:blip>
-          <a:srcRect b="44115"/>
-          <a:stretch/>
-        </p:blipFill>
-        <p:spPr bwMode="auto">
-          <a:xfrm>
-            <a:off x="1231532" y="811704"/>
-            <a:ext cx="6886615" cy="4443976"/>
-          </a:xfrm>
-          <a:prstGeom prst="rect">
-            <a:avLst/>
-          </a:prstGeom>
-          <a:ln>
-            <a:noFill/>
-          </a:ln>
-          <a:extLst>
-            <a:ext uri="{53640926-AAD7-44D8-BBD7-CCE9431645EC}">
-              <a14:shadowObscured xmlns:a14="http://schemas.microsoft.com/office/drawing/2010/main"/>
-            </a:ext>
-          </a:extLst>
-        </p:spPr>
-      </p:pic>
-    </p:spTree>
-    <p:extLst>
-      <p:ext uri="{BB962C8B-B14F-4D97-AF65-F5344CB8AC3E}">
-        <p14:creationId xmlns:p14="http://schemas.microsoft.com/office/powerpoint/2010/main" val="2962997025"/>
-      </p:ext>
-    </p:extLst>
-  </p:cSld>
-  <p:clrMapOvr>
-    <a:masterClrMapping/>
-  </p:clrMapOvr>
-</p:sld>
-</file>
-
-<file path=ppt/slides/slide11.xml><?xml version="1.0" encoding="utf-8"?>
-<p:sld xmlns:a="http://schemas.openxmlformats.org/drawingml/2006/main" xmlns:r="http://schemas.openxmlformats.org/officeDocument/2006/relationships" xmlns:p="http://schemas.openxmlformats.org/presentationml/2006/main">
-  <p:cSld>
-    <p:spTree>
-      <p:nvGrpSpPr>
-        <p:cNvPr id="1" name=""/>
-        <p:cNvGrpSpPr/>
-        <p:nvPr/>
-      </p:nvGrpSpPr>
-      <p:grpSpPr>
-        <a:xfrm>
-          <a:off x="0" y="0"/>
-          <a:ext cx="0" cy="0"/>
-          <a:chOff x="0" y="0"/>
-          <a:chExt cx="0" cy="0"/>
-        </a:xfrm>
-      </p:grpSpPr>
-      <p:sp>
-        <p:nvSpPr>
-          <p:cNvPr id="2" name="Title 1"/>
-          <p:cNvSpPr>
-            <a:spLocks noGrp="1"/>
-          </p:cNvSpPr>
-          <p:nvPr>
-            <p:ph type="title"/>
-          </p:nvPr>
-        </p:nvSpPr>
-        <p:spPr/>
-        <p:txBody>
-          <a:bodyPr>
-            <a:noAutofit/>
-          </a:bodyPr>
-          <a:lstStyle/>
-          <a:p>
-            <a:r>
-              <a:rPr lang="en-GB" sz="2800" b="1" dirty="0"/>
               <a:t>Which artists have had a good 2019? Which tracks were most played during a period?</a:t>
             </a:r>
             <a:endParaRPr lang="pt-PT" sz="2800" dirty="0"/>
@@ -3741,7 +3525,7 @@
 </p:sld>
 </file>
 
-<file path=ppt/slides/slide12.xml><?xml version="1.0" encoding="utf-8"?>
+<file path=ppt/slides/slide11.xml><?xml version="1.0" encoding="utf-8"?>
 <p:sld xmlns:a="http://schemas.openxmlformats.org/drawingml/2006/main" xmlns:r="http://schemas.openxmlformats.org/officeDocument/2006/relationships" xmlns:p="http://schemas.openxmlformats.org/presentationml/2006/main">
   <p:cSld>
     <p:spTree>

--- a/checkpoint3/52.pptx
+++ b/checkpoint3/52.pptx
@@ -221,7 +221,7 @@
           <a:p>
             <a:fld id="{745C36E7-9E00-462E-80A3-32F2BE615C7A}" type="datetimeFigureOut">
               <a:rPr lang="en-US" smtClean="0"/>
-              <a:t>10/28/19</a:t>
+              <a:t>10/28/2019</a:t>
             </a:fld>
             <a:endParaRPr lang="en-US"/>
           </a:p>
@@ -387,7 +387,7 @@
             <a:fld id="{01F3E309-ED8D-4193-99AF-E5EA90965E98}" type="datetimeFigureOut">
               <a:rPr lang="en-US" smtClean="0"/>
               <a:pPr/>
-              <a:t>10/28/19</a:t>
+              <a:t>10/28/2019</a:t>
             </a:fld>
             <a:endParaRPr lang="en-US"/>
           </a:p>
@@ -1404,7 +1404,7 @@
             <a:fld id="{F3CC9924-33BC-4796-B0F9-D37DB5D899BF}" type="datetimeFigureOut">
               <a:rPr lang="pt-PT" smtClean="0"/>
               <a:pPr/>
-              <a:t>28/10/19</a:t>
+              <a:t>28/10/2019</a:t>
             </a:fld>
             <a:endParaRPr lang="pt-PT"/>
           </a:p>
